--- a/CHING JIAN/AppInventor/04_擲骰子聖手.pptx
+++ b/CHING JIAN/AppInventor/04_擲骰子聖手.pptx
@@ -24,11 +24,13 @@
     <p:sldId id="392" r:id="rId18"/>
     <p:sldId id="393" r:id="rId19"/>
     <p:sldId id="394" r:id="rId20"/>
-    <p:sldId id="396" r:id="rId21"/>
-    <p:sldId id="395" r:id="rId22"/>
-    <p:sldId id="397" r:id="rId23"/>
-    <p:sldId id="398" r:id="rId24"/>
-    <p:sldId id="399" r:id="rId25"/>
+    <p:sldId id="400" r:id="rId21"/>
+    <p:sldId id="396" r:id="rId22"/>
+    <p:sldId id="395" r:id="rId23"/>
+    <p:sldId id="397" r:id="rId24"/>
+    <p:sldId id="398" r:id="rId25"/>
+    <p:sldId id="401" r:id="rId26"/>
+    <p:sldId id="399" r:id="rId27"/>
   </p:sldIdLst>
   <p:sldSz cx="12192000" cy="6858000"/>
   <p:notesSz cx="6858000" cy="9144000"/>
@@ -316,7 +318,7 @@
           <a:p>
             <a:fld id="{48A87A34-81AB-432B-8DAE-1953F412C126}" type="datetimeFigureOut">
               <a:rPr lang="en-US" dirty="0"/>
-              <a:t>12/21/2020</a:t>
+              <a:t>12/22/2020</a:t>
             </a:fld>
             <a:endParaRPr lang="en-US" dirty="0"/>
           </a:p>
@@ -578,7 +580,7 @@
           <a:p>
             <a:fld id="{48A87A34-81AB-432B-8DAE-1953F412C126}" type="datetimeFigureOut">
               <a:rPr lang="en-US" dirty="0"/>
-              <a:t>12/21/2020</a:t>
+              <a:t>12/22/2020</a:t>
             </a:fld>
             <a:endParaRPr lang="en-US" dirty="0"/>
           </a:p>
@@ -805,7 +807,7 @@
             <a:fld id="{48A87A34-81AB-432B-8DAE-1953F412C126}" type="datetimeFigureOut">
               <a:rPr lang="en-US" dirty="0"/>
               <a:pPr/>
-              <a:t>12/21/2020</a:t>
+              <a:t>12/22/2020</a:t>
             </a:fld>
             <a:endParaRPr lang="en-US" dirty="0"/>
           </a:p>
@@ -1111,7 +1113,7 @@
             <a:fld id="{48A87A34-81AB-432B-8DAE-1953F412C126}" type="datetimeFigureOut">
               <a:rPr lang="en-US" dirty="0"/>
               <a:pPr/>
-              <a:t>12/21/2020</a:t>
+              <a:t>12/22/2020</a:t>
             </a:fld>
             <a:endParaRPr lang="en-US" dirty="0"/>
           </a:p>
@@ -1580,7 +1582,7 @@
             <a:fld id="{48A87A34-81AB-432B-8DAE-1953F412C126}" type="datetimeFigureOut">
               <a:rPr lang="en-US" dirty="0"/>
               <a:pPr/>
-              <a:t>12/21/2020</a:t>
+              <a:t>12/22/2020</a:t>
             </a:fld>
             <a:endParaRPr lang="en-US" dirty="0"/>
           </a:p>
@@ -2122,7 +2124,7 @@
           <a:p>
             <a:fld id="{48A87A34-81AB-432B-8DAE-1953F412C126}" type="datetimeFigureOut">
               <a:rPr lang="en-US" dirty="0"/>
-              <a:t>12/21/2020</a:t>
+              <a:t>12/22/2020</a:t>
             </a:fld>
             <a:endParaRPr lang="en-US" dirty="0"/>
           </a:p>
@@ -2891,7 +2893,7 @@
           <a:p>
             <a:fld id="{48A87A34-81AB-432B-8DAE-1953F412C126}" type="datetimeFigureOut">
               <a:rPr lang="en-US" dirty="0"/>
-              <a:t>12/21/2020</a:t>
+              <a:t>12/22/2020</a:t>
             </a:fld>
             <a:endParaRPr lang="en-US" dirty="0"/>
           </a:p>
@@ -3061,7 +3063,7 @@
           <a:p>
             <a:fld id="{48A87A34-81AB-432B-8DAE-1953F412C126}" type="datetimeFigureOut">
               <a:rPr lang="en-US" dirty="0"/>
-              <a:t>12/21/2020</a:t>
+              <a:t>12/22/2020</a:t>
             </a:fld>
             <a:endParaRPr lang="en-US" dirty="0"/>
           </a:p>
@@ -3280,7 +3282,7 @@
             <a:fld id="{48A87A34-81AB-432B-8DAE-1953F412C126}" type="datetimeFigureOut">
               <a:rPr lang="en-US" dirty="0"/>
               <a:pPr/>
-              <a:t>12/21/2020</a:t>
+              <a:t>12/22/2020</a:t>
             </a:fld>
             <a:endParaRPr lang="en-US" dirty="0"/>
           </a:p>
@@ -3455,7 +3457,7 @@
           <a:p>
             <a:fld id="{48A87A34-81AB-432B-8DAE-1953F412C126}" type="datetimeFigureOut">
               <a:rPr lang="en-US" dirty="0"/>
-              <a:t>12/21/2020</a:t>
+              <a:t>12/22/2020</a:t>
             </a:fld>
             <a:endParaRPr lang="en-US" dirty="0"/>
           </a:p>
@@ -3740,7 +3742,7 @@
             <a:fld id="{48A87A34-81AB-432B-8DAE-1953F412C126}" type="datetimeFigureOut">
               <a:rPr lang="en-US" dirty="0"/>
               <a:pPr/>
-              <a:t>12/21/2020</a:t>
+              <a:t>12/22/2020</a:t>
             </a:fld>
             <a:endParaRPr lang="en-US" dirty="0"/>
           </a:p>
@@ -3977,7 +3979,7 @@
           <a:p>
             <a:fld id="{48A87A34-81AB-432B-8DAE-1953F412C126}" type="datetimeFigureOut">
               <a:rPr lang="en-US" dirty="0"/>
-              <a:t>12/21/2020</a:t>
+              <a:t>12/22/2020</a:t>
             </a:fld>
             <a:endParaRPr lang="en-US" dirty="0"/>
           </a:p>
@@ -4351,7 +4353,7 @@
           <a:p>
             <a:fld id="{48A87A34-81AB-432B-8DAE-1953F412C126}" type="datetimeFigureOut">
               <a:rPr lang="en-US" dirty="0"/>
-              <a:t>12/21/2020</a:t>
+              <a:t>12/22/2020</a:t>
             </a:fld>
             <a:endParaRPr lang="en-US" dirty="0"/>
           </a:p>
@@ -4464,7 +4466,7 @@
           <a:p>
             <a:fld id="{48A87A34-81AB-432B-8DAE-1953F412C126}" type="datetimeFigureOut">
               <a:rPr lang="en-US" dirty="0"/>
-              <a:t>12/21/2020</a:t>
+              <a:t>12/22/2020</a:t>
             </a:fld>
             <a:endParaRPr lang="en-US" dirty="0"/>
           </a:p>
@@ -4554,7 +4556,7 @@
           <a:p>
             <a:fld id="{48A87A34-81AB-432B-8DAE-1953F412C126}" type="datetimeFigureOut">
               <a:rPr lang="en-US" dirty="0"/>
-              <a:t>12/21/2020</a:t>
+              <a:t>12/22/2020</a:t>
             </a:fld>
             <a:endParaRPr lang="en-US" dirty="0"/>
           </a:p>
@@ -4798,7 +4800,7 @@
           <a:p>
             <a:fld id="{48A87A34-81AB-432B-8DAE-1953F412C126}" type="datetimeFigureOut">
               <a:rPr lang="en-US" dirty="0"/>
-              <a:t>12/21/2020</a:t>
+              <a:t>12/22/2020</a:t>
             </a:fld>
             <a:endParaRPr lang="en-US" dirty="0"/>
           </a:p>
@@ -5050,7 +5052,7 @@
           <a:p>
             <a:fld id="{48A87A34-81AB-432B-8DAE-1953F412C126}" type="datetimeFigureOut">
               <a:rPr lang="en-US" dirty="0"/>
-              <a:t>12/21/2020</a:t>
+              <a:t>12/22/2020</a:t>
             </a:fld>
             <a:endParaRPr lang="en-US" dirty="0"/>
           </a:p>
@@ -5289,7 +5291,7 @@
             <a:fld id="{48A87A34-81AB-432B-8DAE-1953F412C126}" type="datetimeFigureOut">
               <a:rPr lang="en-US" dirty="0"/>
               <a:pPr/>
-              <a:t>12/21/2020</a:t>
+              <a:t>12/22/2020</a:t>
             </a:fld>
             <a:endParaRPr lang="en-US" dirty="0"/>
           </a:p>
@@ -5737,7 +5739,7 @@
             </a:pPr>
             <a:fld id="{4844D8D4-723F-40A6-B98F-A2C2312E33A8}" type="datetime5">
               <a:rPr lang="zh-TW" altLang="en-US" smtClean="0"/>
-              <a:t>2020年12月21日星期一</a:t>
+              <a:t>2020年12月22日星期二</a:t>
             </a:fld>
             <a:endParaRPr lang="zh-TW" altLang="en-US" dirty="0"/>
           </a:p>
@@ -6113,11 +6115,7 @@
             </a:r>
             <a:r>
               <a:rPr lang="zh-TW" altLang="en-US" sz="4800" dirty="0" smtClean="0"/>
-              <a:t>式、方法</a:t>
-            </a:r>
-            <a:r>
-              <a:rPr lang="zh-TW" altLang="en-US" sz="4800" dirty="0" smtClean="0"/>
-              <a:t>、副程式的概念</a:t>
+              <a:t>式、方法、副程式的概念</a:t>
             </a:r>
             <a:endParaRPr lang="zh-TW" altLang="en-US" sz="4800" dirty="0"/>
           </a:p>
@@ -6170,7 +6168,7 @@
             <a:fld id="{4805910D-2C61-424F-80CE-807290CF0E1E}" type="datetime4">
               <a:rPr lang="zh-TW" altLang="zh-TW"/>
               <a:pPr/>
-              <a:t>109年12月21日星期一</a:t>
+              <a:t>109年12月22日星期二</a:t>
             </a:fld>
             <a:endParaRPr lang="zh-TW" altLang="en-US" dirty="0"/>
           </a:p>
@@ -6230,11 +6228,7 @@
           <a:p>
             <a:r>
               <a:rPr lang="zh-TW" altLang="en-US" dirty="0" smtClean="0"/>
-              <a:t>程序是</a:t>
-            </a:r>
-            <a:r>
-              <a:rPr lang="zh-TW" altLang="en-US" dirty="0" smtClean="0"/>
-              <a:t>甚麼？</a:t>
+              <a:t>程序是甚麼？</a:t>
             </a:r>
             <a:endParaRPr lang="zh-TW" altLang="en-US" dirty="0"/>
           </a:p>
@@ -6257,11 +6251,7 @@
           <a:p>
             <a:r>
               <a:rPr lang="zh-TW" altLang="en-US" dirty="0" smtClean="0"/>
-              <a:t>程序與</a:t>
-            </a:r>
-            <a:r>
-              <a:rPr lang="zh-TW" altLang="en-US" dirty="0" smtClean="0"/>
-              <a:t>數學的函數概念很類似，</a:t>
+              <a:t>程序與數學的函數概念很類似，</a:t>
             </a:r>
             <a:endParaRPr lang="en-US" altLang="zh-TW" dirty="0" smtClean="0"/>
           </a:p>
@@ -6426,11 +6416,7 @@
           <a:p>
             <a:r>
               <a:rPr lang="zh-TW" altLang="en-US" dirty="0" smtClean="0"/>
-              <a:t>程序的</a:t>
-            </a:r>
-            <a:r>
-              <a:rPr lang="zh-TW" altLang="en-US" dirty="0" smtClean="0"/>
-              <a:t>規劃設計，有很大部分是把一個</a:t>
+              <a:t>程序的規劃設計，有很大部分是把一個</a:t>
             </a:r>
             <a:r>
               <a:rPr lang="zh-TW" altLang="en-US" b="1" dirty="0" smtClean="0"/>
@@ -6438,11 +6424,7 @@
             </a:r>
             <a:r>
               <a:rPr lang="zh-TW" altLang="en-US" dirty="0" smtClean="0"/>
-              <a:t>，且這些小步驟還有可能以後可以再重複利用。這些小步驟就適合發展</a:t>
-            </a:r>
-            <a:r>
-              <a:rPr lang="zh-TW" altLang="en-US" dirty="0" smtClean="0"/>
-              <a:t>為程序。</a:t>
+              <a:t>，且這些小步驟還有可能以後可以再重複利用。這些小步驟就適合發展為程序。</a:t>
             </a:r>
             <a:endParaRPr lang="zh-TW" altLang="en-US" dirty="0"/>
           </a:p>
@@ -6545,11 +6527,7 @@
             </a:r>
             <a:r>
               <a:rPr lang="zh-TW" altLang="zh-TW" dirty="0" smtClean="0"/>
-              <a:t>函</a:t>
-            </a:r>
-            <a:r>
-              <a:rPr lang="zh-TW" altLang="zh-TW" dirty="0" smtClean="0"/>
-              <a:t>式</a:t>
+              <a:t>函式</a:t>
             </a:r>
             <a:r>
               <a:rPr lang="zh-TW" altLang="en-US" dirty="0"/>
@@ -6557,11 +6535,7 @@
             </a:r>
             <a:r>
               <a:rPr lang="zh-TW" altLang="en-US" dirty="0" smtClean="0"/>
-              <a:t>、副程式</a:t>
-            </a:r>
-            <a:r>
-              <a:rPr lang="zh-TW" altLang="en-US" dirty="0" smtClean="0"/>
-              <a:t>其實概念都很類似</a:t>
+              <a:t>、副程式其實概念都很類似</a:t>
             </a:r>
             <a:r>
               <a:rPr lang="zh-TW" altLang="zh-TW" dirty="0" smtClean="0"/>
@@ -6612,11 +6586,7 @@
             </a:r>
             <a:r>
               <a:rPr lang="zh-TW" altLang="en-US" dirty="0" smtClean="0"/>
-              <a:t>，</a:t>
-            </a:r>
-            <a:r>
-              <a:rPr lang="zh-TW" altLang="en-US" dirty="0" smtClean="0"/>
-              <a:t>並且賦予名稱。</a:t>
+              <a:t>，並且賦予名稱。</a:t>
             </a:r>
             <a:endParaRPr lang="en-US" altLang="zh-TW" dirty="0" smtClean="0"/>
           </a:p>
@@ -6731,11 +6701,7 @@
           <a:p>
             <a:r>
               <a:rPr lang="zh-TW" altLang="en-US" dirty="0" smtClean="0"/>
-              <a:t>程序怎麼</a:t>
-            </a:r>
-            <a:r>
-              <a:rPr lang="zh-TW" altLang="en-US" dirty="0" smtClean="0"/>
-              <a:t>運作？</a:t>
+              <a:t>程序怎麼運作？</a:t>
             </a:r>
             <a:endParaRPr lang="zh-TW" altLang="en-US" dirty="0"/>
           </a:p>
@@ -6838,11 +6804,7 @@
             </a:r>
             <a:r>
               <a:rPr lang="en-US" altLang="zh-TW" sz="1400" dirty="0" smtClean="0"/>
-              <a:t>FA</a:t>
-            </a:r>
-            <a:r>
-              <a:rPr lang="en-US" altLang="zh-TW" sz="1400" dirty="0" smtClean="0"/>
-              <a:t>();</a:t>
+              <a:t>FA();</a:t>
             </a:r>
           </a:p>
           <a:p>
@@ -6932,11 +6894,7 @@
             </a:r>
             <a:r>
               <a:rPr lang="en-US" altLang="zh-TW" sz="1400" dirty="0" smtClean="0"/>
-              <a:t>FB</a:t>
-            </a:r>
-            <a:r>
-              <a:rPr lang="en-US" altLang="zh-TW" sz="1400" dirty="0" smtClean="0"/>
-              <a:t>();</a:t>
+              <a:t>FB();</a:t>
             </a:r>
             <a:endParaRPr lang="en-US" altLang="zh-TW" sz="1400" dirty="0"/>
           </a:p>
@@ -7012,15 +6970,7 @@
                   <a:srgbClr val="FF0000"/>
                 </a:solidFill>
               </a:rPr>
-              <a:t>FA</a:t>
-            </a:r>
-            <a:r>
-              <a:rPr lang="en-US" altLang="zh-TW" b="1" dirty="0" smtClean="0">
-                <a:solidFill>
-                  <a:srgbClr val="FF0000"/>
-                </a:solidFill>
-              </a:rPr>
-              <a:t>()</a:t>
+              <a:t>FA()</a:t>
             </a:r>
           </a:p>
           <a:p>
@@ -7125,15 +7075,7 @@
                   <a:srgbClr val="FF0000"/>
                 </a:solidFill>
               </a:rPr>
-              <a:t>FB</a:t>
-            </a:r>
-            <a:r>
-              <a:rPr lang="en-US" altLang="zh-TW" b="1" dirty="0" smtClean="0">
-                <a:solidFill>
-                  <a:srgbClr val="FF0000"/>
-                </a:solidFill>
-              </a:rPr>
-              <a:t>()</a:t>
+              <a:t>FB()</a:t>
             </a:r>
           </a:p>
           <a:p>
@@ -7171,11 +7113,7 @@
             </a:r>
             <a:r>
               <a:rPr lang="en-US" altLang="zh-TW" sz="1400" dirty="0" smtClean="0"/>
-              <a:t>FC</a:t>
-            </a:r>
-            <a:r>
-              <a:rPr lang="en-US" altLang="zh-TW" sz="1400" dirty="0" smtClean="0"/>
-              <a:t>();</a:t>
+              <a:t>FC();</a:t>
             </a:r>
             <a:endParaRPr lang="en-US" altLang="zh-TW" sz="1400" dirty="0"/>
           </a:p>
@@ -7254,15 +7192,7 @@
                   <a:srgbClr val="FF0000"/>
                 </a:solidFill>
               </a:rPr>
-              <a:t>FC</a:t>
-            </a:r>
-            <a:r>
-              <a:rPr lang="en-US" altLang="zh-TW" b="1" dirty="0" smtClean="0">
-                <a:solidFill>
-                  <a:srgbClr val="FF0000"/>
-                </a:solidFill>
-              </a:rPr>
-              <a:t>()</a:t>
+              <a:t>FC()</a:t>
             </a:r>
           </a:p>
           <a:p>
@@ -11010,16 +10940,8 @@
           <a:lstStyle/>
           <a:p>
             <a:r>
-              <a:rPr lang="zh-TW" altLang="en-US" dirty="0"/>
-              <a:t>骰子滾動加強</a:t>
-            </a:r>
-            <a:r>
-              <a:rPr lang="zh-TW" altLang="en-US" dirty="0" smtClean="0"/>
-              <a:t>版</a:t>
-            </a:r>
-            <a:r>
-              <a:rPr lang="en-US" altLang="zh-TW" dirty="0" smtClean="0"/>
-              <a:t>2</a:t>
+              <a:rPr lang="zh-TW" altLang="en-US" dirty="0" smtClean="0"/>
+              <a:t>程式流程</a:t>
             </a:r>
             <a:endParaRPr lang="zh-TW" altLang="en-US" dirty="0"/>
           </a:p>
@@ -11027,44 +10949,107 @@
       </p:sp>
       <p:sp>
         <p:nvSpPr>
-          <p:cNvPr id="3" name="內容版面配置區 2"/>
-          <p:cNvSpPr>
-            <a:spLocks noGrp="1"/>
-          </p:cNvSpPr>
-          <p:nvPr>
-            <p:ph idx="1"/>
-          </p:nvPr>
-        </p:nvSpPr>
-        <p:spPr/>
-        <p:txBody>
-          <a:bodyPr/>
+          <p:cNvPr id="4" name="橢圓 3"/>
+          <p:cNvSpPr/>
+          <p:nvPr/>
+        </p:nvSpPr>
+        <p:spPr>
+          <a:xfrm>
+            <a:off x="1878316" y="2194560"/>
+            <a:ext cx="932688" cy="347472"/>
+          </a:xfrm>
+          <a:prstGeom prst="ellipse">
+            <a:avLst/>
+          </a:prstGeom>
+          <a:solidFill>
+            <a:schemeClr val="bg1"/>
+          </a:solidFill>
+          <a:ln>
+            <a:solidFill>
+              <a:schemeClr val="tx1"/>
+            </a:solidFill>
+          </a:ln>
+        </p:spPr>
+        <p:style>
+          <a:lnRef idx="2">
+            <a:schemeClr val="accent1">
+              <a:shade val="50000"/>
+            </a:schemeClr>
+          </a:lnRef>
+          <a:fillRef idx="1">
+            <a:schemeClr val="accent1"/>
+          </a:fillRef>
+          <a:effectRef idx="0">
+            <a:schemeClr val="accent1"/>
+          </a:effectRef>
+          <a:fontRef idx="minor">
+            <a:schemeClr val="lt1"/>
+          </a:fontRef>
+        </p:style>
+        <p:txBody>
+          <a:bodyPr rtlCol="0" anchor="ctr"/>
           <a:lstStyle/>
           <a:p>
-            <a:r>
-              <a:rPr lang="zh-TW" altLang="en-US" dirty="0"/>
-              <a:t>被搖動後要做的</a:t>
-            </a:r>
-            <a:r>
-              <a:rPr lang="zh-TW" altLang="en-US" dirty="0" smtClean="0"/>
-              <a:t>事</a:t>
-            </a:r>
-            <a:endParaRPr lang="en-US" altLang="zh-TW" dirty="0" smtClean="0"/>
-          </a:p>
-          <a:p>
-            <a:pPr marL="914400" lvl="1" indent="-457200">
+            <a:pPr algn="ctr"/>
+            <a:r>
+              <a:rPr lang="zh-TW" altLang="en-US" dirty="0" smtClean="0">
+                <a:solidFill>
+                  <a:schemeClr val="tx1"/>
+                </a:solidFill>
+              </a:rPr>
+              <a:t>開始</a:t>
+            </a:r>
+            <a:endParaRPr lang="zh-TW" altLang="en-US" dirty="0">
+              <a:solidFill>
+                <a:schemeClr val="tx1"/>
+              </a:solidFill>
+            </a:endParaRPr>
+          </a:p>
+        </p:txBody>
+      </p:sp>
+      <p:sp>
+        <p:nvSpPr>
+          <p:cNvPr id="5" name="文字方塊 4"/>
+          <p:cNvSpPr txBox="1"/>
+          <p:nvPr/>
+        </p:nvSpPr>
+        <p:spPr>
+          <a:xfrm>
+            <a:off x="353558" y="2958892"/>
+            <a:ext cx="3976088" cy="1200329"/>
+          </a:xfrm>
+          <a:prstGeom prst="rect">
+            <a:avLst/>
+          </a:prstGeom>
+          <a:solidFill>
+            <a:schemeClr val="bg1"/>
+          </a:solidFill>
+          <a:ln>
+            <a:solidFill>
+              <a:schemeClr val="tx1"/>
+            </a:solidFill>
+          </a:ln>
+        </p:spPr>
+        <p:txBody>
+          <a:bodyPr wrap="none" rtlCol="0">
+            <a:spAutoFit/>
+          </a:bodyPr>
+          <a:lstStyle/>
+          <a:p>
+            <a:pPr marL="265113" indent="-265113">
               <a:buFont typeface="+mj-lt"/>
               <a:buAutoNum type="arabicPeriod"/>
             </a:pPr>
             <a:r>
-              <a:rPr lang="zh-TW" altLang="en-US" dirty="0" smtClean="0"/>
+              <a:rPr lang="zh-TW" altLang="en-US" dirty="0"/>
               <a:t>呼叫</a:t>
             </a:r>
             <a:r>
-              <a:rPr lang="en-US" altLang="zh-TW" dirty="0" smtClean="0"/>
+              <a:rPr lang="en-US" altLang="zh-TW" dirty="0"/>
               <a:t>[</a:t>
             </a:r>
             <a:r>
-              <a:rPr lang="zh-TW" altLang="en-US" b="1" dirty="0" smtClean="0">
+              <a:rPr lang="zh-TW" altLang="en-US" b="1" dirty="0">
                 <a:solidFill>
                   <a:srgbClr val="0070C0"/>
                 </a:solidFill>
@@ -11074,38 +11059,38 @@
               <a:t>擲骰子</a:t>
             </a:r>
             <a:r>
-              <a:rPr lang="en-US" altLang="zh-TW" dirty="0" smtClean="0"/>
+              <a:rPr lang="en-US" altLang="zh-TW" dirty="0"/>
               <a:t>]</a:t>
             </a:r>
             <a:r>
-              <a:rPr lang="zh-TW" altLang="en-US" dirty="0" smtClean="0"/>
+              <a:rPr lang="zh-TW" altLang="en-US" dirty="0"/>
               <a:t>產生</a:t>
             </a:r>
             <a:r>
-              <a:rPr lang="en-US" altLang="zh-TW" dirty="0" smtClean="0"/>
+              <a:rPr lang="en-US" altLang="zh-TW" dirty="0"/>
               <a:t>3</a:t>
             </a:r>
             <a:r>
-              <a:rPr lang="zh-TW" altLang="en-US" dirty="0" smtClean="0"/>
+              <a:rPr lang="zh-TW" altLang="en-US" dirty="0"/>
               <a:t>顆骰子最終點數</a:t>
             </a:r>
-            <a:endParaRPr lang="en-US" altLang="zh-TW" dirty="0" smtClean="0"/>
-          </a:p>
-          <a:p>
-            <a:pPr marL="914400" lvl="1" indent="-457200">
+            <a:endParaRPr lang="en-US" altLang="zh-TW" dirty="0"/>
+          </a:p>
+          <a:p>
+            <a:pPr marL="265113" indent="-265113">
               <a:buFont typeface="+mj-lt"/>
               <a:buAutoNum type="arabicPeriod"/>
             </a:pPr>
             <a:r>
-              <a:rPr lang="zh-TW" altLang="en-US" dirty="0" smtClean="0"/>
+              <a:rPr lang="zh-TW" altLang="en-US" dirty="0"/>
               <a:t>呼叫</a:t>
             </a:r>
             <a:r>
-              <a:rPr lang="en-US" altLang="zh-TW" dirty="0" smtClean="0"/>
+              <a:rPr lang="en-US" altLang="zh-TW" dirty="0"/>
               <a:t>[</a:t>
             </a:r>
             <a:r>
-              <a:rPr lang="zh-TW" altLang="en-US" b="1" dirty="0" smtClean="0">
+              <a:rPr lang="zh-TW" altLang="en-US" b="1" dirty="0">
                 <a:solidFill>
                   <a:srgbClr val="0070C0"/>
                 </a:solidFill>
@@ -11115,46 +11100,46 @@
               <a:t>骰子聲撥放</a:t>
             </a:r>
             <a:r>
-              <a:rPr lang="en-US" altLang="zh-TW" dirty="0" smtClean="0"/>
+              <a:rPr lang="en-US" altLang="zh-TW" dirty="0"/>
               <a:t>]</a:t>
             </a:r>
             <a:r>
-              <a:rPr lang="zh-TW" altLang="en-US" dirty="0" smtClean="0"/>
+              <a:rPr lang="zh-TW" altLang="en-US" dirty="0"/>
               <a:t>發出聲音</a:t>
             </a:r>
-            <a:endParaRPr lang="en-US" altLang="zh-TW" dirty="0" smtClean="0"/>
-          </a:p>
-          <a:p>
-            <a:pPr marL="914400" lvl="1" indent="-457200">
+            <a:endParaRPr lang="en-US" altLang="zh-TW" dirty="0"/>
+          </a:p>
+          <a:p>
+            <a:pPr marL="265113" indent="-265113">
               <a:buFont typeface="+mj-lt"/>
               <a:buAutoNum type="arabicPeriod"/>
             </a:pPr>
             <a:r>
-              <a:rPr lang="zh-TW" altLang="en-US" dirty="0" smtClean="0"/>
+              <a:rPr lang="zh-TW" altLang="en-US" dirty="0"/>
               <a:t>啟動</a:t>
             </a:r>
             <a:r>
-              <a:rPr lang="en-US" altLang="zh-TW" dirty="0" smtClean="0"/>
+              <a:rPr lang="en-US" altLang="zh-TW" dirty="0"/>
               <a:t>[</a:t>
             </a:r>
             <a:r>
-              <a:rPr lang="zh-TW" altLang="en-US" b="1" dirty="0" smtClean="0">
+              <a:rPr lang="zh-TW" altLang="en-US" b="1" dirty="0">
                 <a:latin typeface="微軟正黑體" panose="020B0604030504040204" pitchFamily="34" charset="-120"/>
                 <a:ea typeface="微軟正黑體" panose="020B0604030504040204" pitchFamily="34" charset="-120"/>
               </a:rPr>
               <a:t>延遲計時</a:t>
             </a:r>
             <a:r>
-              <a:rPr lang="zh-TW" altLang="en-US" b="1" dirty="0" smtClean="0"/>
+              <a:rPr lang="zh-TW" altLang="en-US" b="1" dirty="0"/>
               <a:t>器</a:t>
             </a:r>
             <a:r>
-              <a:rPr lang="en-US" altLang="zh-TW" dirty="0" smtClean="0"/>
+              <a:rPr lang="en-US" altLang="zh-TW" dirty="0"/>
               <a:t>]</a:t>
             </a:r>
           </a:p>
           <a:p>
-            <a:pPr marL="914400" lvl="1" indent="-457200">
+            <a:pPr marL="265113" indent="-265113">
               <a:buFont typeface="+mj-lt"/>
               <a:buAutoNum type="arabicPeriod"/>
             </a:pPr>
@@ -11177,119 +11162,292 @@
               <a:rPr lang="en-US" altLang="zh-TW" dirty="0" smtClean="0"/>
               <a:t>]</a:t>
             </a:r>
-          </a:p>
-          <a:p>
-            <a:r>
-              <a:rPr lang="zh-TW" altLang="en-US" dirty="0" smtClean="0"/>
-              <a:t>當</a:t>
-            </a:r>
-            <a:r>
-              <a:rPr lang="en-US" altLang="zh-TW" dirty="0" smtClean="0"/>
-              <a:t>[</a:t>
-            </a:r>
-            <a:r>
-              <a:rPr lang="zh-TW" altLang="en-US" dirty="0" smtClean="0"/>
-              <a:t>延遲計時器計時</a:t>
-            </a:r>
-            <a:r>
-              <a:rPr lang="en-US" altLang="zh-TW" dirty="0" smtClean="0"/>
-              <a:t>.</a:t>
-            </a:r>
-            <a:r>
-              <a:rPr lang="zh-TW" altLang="en-US" dirty="0" smtClean="0"/>
-              <a:t>執行</a:t>
-            </a:r>
-            <a:r>
-              <a:rPr lang="en-US" altLang="zh-TW" dirty="0" smtClean="0"/>
-              <a:t>]</a:t>
-            </a:r>
-            <a:r>
-              <a:rPr lang="zh-TW" altLang="en-US" dirty="0" smtClean="0"/>
-              <a:t>要做的事</a:t>
-            </a:r>
-            <a:r>
-              <a:rPr lang="en-US" altLang="zh-TW" dirty="0" smtClean="0"/>
-              <a:t>(2</a:t>
-            </a:r>
-            <a:r>
-              <a:rPr lang="zh-TW" altLang="en-US" dirty="0" smtClean="0"/>
-              <a:t> </a:t>
-            </a:r>
-            <a:r>
-              <a:rPr lang="en-US" altLang="zh-TW" dirty="0" smtClean="0"/>
-              <a:t>sec</a:t>
-            </a:r>
-            <a:r>
-              <a:rPr lang="zh-TW" altLang="en-US" dirty="0" smtClean="0"/>
-              <a:t>後</a:t>
-            </a:r>
-            <a:r>
-              <a:rPr lang="en-US" altLang="zh-TW" dirty="0" smtClean="0"/>
-              <a:t>)</a:t>
-            </a:r>
-          </a:p>
-          <a:p>
-            <a:pPr lvl="1"/>
-            <a:r>
-              <a:rPr lang="zh-TW" altLang="en-US" dirty="0" smtClean="0"/>
-              <a:t>停止延遲計時器</a:t>
-            </a:r>
-            <a:r>
-              <a:rPr lang="en-US" altLang="zh-TW" dirty="0" smtClean="0"/>
-              <a:t>(</a:t>
-            </a:r>
-            <a:r>
-              <a:rPr lang="zh-TW" altLang="en-US" dirty="0" smtClean="0"/>
-              <a:t>設 </a:t>
-            </a:r>
+            <a:endParaRPr lang="en-US" altLang="zh-TW" dirty="0"/>
+          </a:p>
+        </p:txBody>
+      </p:sp>
+      <p:cxnSp>
+        <p:nvCxnSpPr>
+          <p:cNvPr id="7" name="直線單箭頭接點 6"/>
+          <p:cNvCxnSpPr>
+            <a:stCxn id="4" idx="4"/>
+            <a:endCxn id="5" idx="0"/>
+          </p:cNvCxnSpPr>
+          <p:nvPr/>
+        </p:nvCxnSpPr>
+        <p:spPr>
+          <a:xfrm flipH="1">
+            <a:off x="2341602" y="2542032"/>
+            <a:ext cx="3058" cy="416860"/>
+          </a:xfrm>
+          <a:prstGeom prst="straightConnector1">
+            <a:avLst/>
+          </a:prstGeom>
+          <a:ln w="28575">
+            <a:solidFill>
+              <a:schemeClr val="tx1"/>
+            </a:solidFill>
+            <a:tailEnd type="triangle"/>
+          </a:ln>
+        </p:spPr>
+        <p:style>
+          <a:lnRef idx="1">
+            <a:schemeClr val="accent1"/>
+          </a:lnRef>
+          <a:fillRef idx="0">
+            <a:schemeClr val="accent1"/>
+          </a:fillRef>
+          <a:effectRef idx="0">
+            <a:schemeClr val="accent1"/>
+          </a:effectRef>
+          <a:fontRef idx="minor">
+            <a:schemeClr val="tx1"/>
+          </a:fontRef>
+        </p:style>
+      </p:cxnSp>
+      <p:sp>
+        <p:nvSpPr>
+          <p:cNvPr id="9" name="橢圓 8"/>
+          <p:cNvSpPr/>
+          <p:nvPr/>
+        </p:nvSpPr>
+        <p:spPr>
+          <a:xfrm>
+            <a:off x="1878316" y="4990295"/>
+            <a:ext cx="932688" cy="347472"/>
+          </a:xfrm>
+          <a:prstGeom prst="ellipse">
+            <a:avLst/>
+          </a:prstGeom>
+          <a:solidFill>
+            <a:schemeClr val="bg1"/>
+          </a:solidFill>
+          <a:ln>
+            <a:solidFill>
+              <a:schemeClr val="tx1"/>
+            </a:solidFill>
+          </a:ln>
+        </p:spPr>
+        <p:style>
+          <a:lnRef idx="2">
+            <a:schemeClr val="accent1">
+              <a:shade val="50000"/>
+            </a:schemeClr>
+          </a:lnRef>
+          <a:fillRef idx="1">
+            <a:schemeClr val="accent1"/>
+          </a:fillRef>
+          <a:effectRef idx="0">
+            <a:schemeClr val="accent1"/>
+          </a:effectRef>
+          <a:fontRef idx="minor">
+            <a:schemeClr val="lt1"/>
+          </a:fontRef>
+        </p:style>
+        <p:txBody>
+          <a:bodyPr rtlCol="0" anchor="ctr"/>
+          <a:lstStyle/>
+          <a:p>
+            <a:pPr algn="ctr"/>
+            <a:r>
+              <a:rPr lang="zh-TW" altLang="en-US" dirty="0" smtClean="0">
+                <a:solidFill>
+                  <a:schemeClr val="tx1"/>
+                </a:solidFill>
+              </a:rPr>
+              <a:t>結束</a:t>
+            </a:r>
+            <a:endParaRPr lang="zh-TW" altLang="en-US" dirty="0">
+              <a:solidFill>
+                <a:schemeClr val="tx1"/>
+              </a:solidFill>
+            </a:endParaRPr>
+          </a:p>
+        </p:txBody>
+      </p:sp>
+      <p:cxnSp>
+        <p:nvCxnSpPr>
+          <p:cNvPr id="10" name="直線單箭頭接點 9"/>
+          <p:cNvCxnSpPr>
+            <a:stCxn id="5" idx="2"/>
+            <a:endCxn id="9" idx="0"/>
+          </p:cNvCxnSpPr>
+          <p:nvPr/>
+        </p:nvCxnSpPr>
+        <p:spPr>
+          <a:xfrm>
+            <a:off x="2341602" y="4159221"/>
+            <a:ext cx="3058" cy="831074"/>
+          </a:xfrm>
+          <a:prstGeom prst="straightConnector1">
+            <a:avLst/>
+          </a:prstGeom>
+          <a:ln w="28575">
+            <a:solidFill>
+              <a:schemeClr val="tx1"/>
+            </a:solidFill>
+            <a:tailEnd type="triangle"/>
+          </a:ln>
+        </p:spPr>
+        <p:style>
+          <a:lnRef idx="1">
+            <a:schemeClr val="accent1"/>
+          </a:lnRef>
+          <a:fillRef idx="0">
+            <a:schemeClr val="accent1"/>
+          </a:fillRef>
+          <a:effectRef idx="0">
+            <a:schemeClr val="accent1"/>
+          </a:effectRef>
+          <a:fontRef idx="minor">
+            <a:schemeClr val="tx1"/>
+          </a:fontRef>
+        </p:style>
+      </p:cxnSp>
+      <p:sp>
+        <p:nvSpPr>
+          <p:cNvPr id="13" name="文字方塊 12"/>
+          <p:cNvSpPr txBox="1"/>
+          <p:nvPr/>
+        </p:nvSpPr>
+        <p:spPr>
+          <a:xfrm>
+            <a:off x="1787604" y="1799227"/>
+            <a:ext cx="1107996" cy="369332"/>
+          </a:xfrm>
+          <a:prstGeom prst="rect">
+            <a:avLst/>
+          </a:prstGeom>
+          <a:noFill/>
+        </p:spPr>
+        <p:txBody>
+          <a:bodyPr wrap="none" rtlCol="0">
+            <a:spAutoFit/>
+          </a:bodyPr>
+          <a:lstStyle/>
+          <a:p>
             <a:r>
               <a:rPr lang="zh-TW" altLang="en-US" b="1" dirty="0" smtClean="0">
                 <a:solidFill>
-                  <a:srgbClr val="0070C0"/>
+                  <a:srgbClr val="FF0000"/>
                 </a:solidFill>
                 <a:latin typeface="微軟正黑體" panose="020B0604030504040204" pitchFamily="34" charset="-120"/>
                 <a:ea typeface="微軟正黑體" panose="020B0604030504040204" pitchFamily="34" charset="-120"/>
               </a:rPr>
-              <a:t>延遲計時器</a:t>
-            </a:r>
-            <a:r>
-              <a:rPr lang="en-US" altLang="zh-TW" b="1" dirty="0" smtClean="0">
+              <a:t>手機晃動</a:t>
+            </a:r>
+            <a:endParaRPr lang="zh-TW" altLang="en-US" b="1" dirty="0">
+              <a:solidFill>
+                <a:srgbClr val="FF0000"/>
+              </a:solidFill>
+              <a:latin typeface="微軟正黑體" panose="020B0604030504040204" pitchFamily="34" charset="-120"/>
+              <a:ea typeface="微軟正黑體" panose="020B0604030504040204" pitchFamily="34" charset="-120"/>
+            </a:endParaRPr>
+          </a:p>
+        </p:txBody>
+      </p:sp>
+      <p:sp>
+        <p:nvSpPr>
+          <p:cNvPr id="18" name="橢圓 17"/>
+          <p:cNvSpPr/>
+          <p:nvPr/>
+        </p:nvSpPr>
+        <p:spPr>
+          <a:xfrm>
+            <a:off x="5095817" y="4224911"/>
+            <a:ext cx="932688" cy="347472"/>
+          </a:xfrm>
+          <a:prstGeom prst="ellipse">
+            <a:avLst/>
+          </a:prstGeom>
+          <a:solidFill>
+            <a:schemeClr val="bg1"/>
+          </a:solidFill>
+          <a:ln>
+            <a:solidFill>
+              <a:schemeClr val="tx1"/>
+            </a:solidFill>
+          </a:ln>
+        </p:spPr>
+        <p:style>
+          <a:lnRef idx="2">
+            <a:schemeClr val="accent1">
+              <a:shade val="50000"/>
+            </a:schemeClr>
+          </a:lnRef>
+          <a:fillRef idx="1">
+            <a:schemeClr val="accent1"/>
+          </a:fillRef>
+          <a:effectRef idx="0">
+            <a:schemeClr val="accent1"/>
+          </a:effectRef>
+          <a:fontRef idx="minor">
+            <a:schemeClr val="lt1"/>
+          </a:fontRef>
+        </p:style>
+        <p:txBody>
+          <a:bodyPr rtlCol="0" anchor="ctr"/>
+          <a:lstStyle/>
+          <a:p>
+            <a:pPr algn="ctr"/>
+            <a:r>
+              <a:rPr lang="zh-TW" altLang="en-US" dirty="0" smtClean="0">
                 <a:solidFill>
-                  <a:srgbClr val="0070C0"/>
+                  <a:schemeClr val="tx1"/>
                 </a:solidFill>
-                <a:latin typeface="微軟正黑體" panose="020B0604030504040204" pitchFamily="34" charset="-120"/>
-                <a:ea typeface="微軟正黑體" panose="020B0604030504040204" pitchFamily="34" charset="-120"/>
               </a:rPr>
-              <a:t>.</a:t>
-            </a:r>
-            <a:r>
-              <a:rPr lang="zh-TW" altLang="en-US" b="1" dirty="0" smtClean="0">
-                <a:solidFill>
-                  <a:srgbClr val="0070C0"/>
-                </a:solidFill>
-                <a:latin typeface="微軟正黑體" panose="020B0604030504040204" pitchFamily="34" charset="-120"/>
-                <a:ea typeface="微軟正黑體" panose="020B0604030504040204" pitchFamily="34" charset="-120"/>
-              </a:rPr>
-              <a:t>啟用計時 </a:t>
-            </a:r>
-            <a:r>
-              <a:rPr lang="zh-TW" altLang="en-US" dirty="0" smtClean="0"/>
-              <a:t>為 </a:t>
-            </a:r>
-            <a:r>
-              <a:rPr lang="zh-TW" altLang="en-US" b="1" dirty="0" smtClean="0">
-                <a:latin typeface="微軟正黑體" panose="020B0604030504040204" pitchFamily="34" charset="-120"/>
-                <a:ea typeface="微軟正黑體" panose="020B0604030504040204" pitchFamily="34" charset="-120"/>
-              </a:rPr>
-              <a:t>假</a:t>
-            </a:r>
-            <a:r>
-              <a:rPr lang="en-US" altLang="zh-TW" dirty="0" smtClean="0"/>
-              <a:t>)</a:t>
-            </a:r>
-          </a:p>
-          <a:p>
-            <a:pPr lvl="1"/>
+              <a:t>開始</a:t>
+            </a:r>
+            <a:endParaRPr lang="zh-TW" altLang="en-US" dirty="0">
+              <a:solidFill>
+                <a:schemeClr val="tx1"/>
+              </a:solidFill>
+            </a:endParaRPr>
+          </a:p>
+        </p:txBody>
+      </p:sp>
+      <p:sp>
+        <p:nvSpPr>
+          <p:cNvPr id="19" name="文字方塊 18"/>
+          <p:cNvSpPr txBox="1"/>
+          <p:nvPr/>
+        </p:nvSpPr>
+        <p:spPr>
+          <a:xfrm>
+            <a:off x="4661914" y="4822801"/>
+            <a:ext cx="1800493" cy="923330"/>
+          </a:xfrm>
+          <a:prstGeom prst="rect">
+            <a:avLst/>
+          </a:prstGeom>
+          <a:solidFill>
+            <a:schemeClr val="bg1"/>
+          </a:solidFill>
+          <a:ln>
+            <a:solidFill>
+              <a:schemeClr val="tx1"/>
+            </a:solidFill>
+          </a:ln>
+        </p:spPr>
+        <p:txBody>
+          <a:bodyPr wrap="none" rtlCol="0">
+            <a:spAutoFit/>
+          </a:bodyPr>
+          <a:lstStyle/>
+          <a:p>
+            <a:pPr marL="0" lvl="1"/>
+            <a:r>
+              <a:rPr lang="zh-TW" altLang="en-US" dirty="0"/>
+              <a:t>停止延遲</a:t>
+            </a:r>
+            <a:r>
+              <a:rPr lang="zh-TW" altLang="en-US" dirty="0" smtClean="0"/>
+              <a:t>計時器</a:t>
+            </a:r>
+            <a:endParaRPr lang="en-US" altLang="zh-TW" dirty="0" smtClean="0"/>
+          </a:p>
+          <a:p>
+            <a:pPr marL="0" lvl="1"/>
             <a:r>
               <a:rPr lang="zh-TW" altLang="en-US" dirty="0" smtClean="0"/>
               <a:t>停止</a:t>
@@ -11302,33 +11460,13 @@
               <a:rPr lang="zh-TW" altLang="en-US" dirty="0" smtClean="0"/>
               <a:t>計時器</a:t>
             </a:r>
-            <a:r>
-              <a:rPr lang="en-US" altLang="zh-TW" dirty="0"/>
-              <a:t>(</a:t>
-            </a:r>
-            <a:r>
-              <a:rPr lang="zh-TW" altLang="en-US" dirty="0" smtClean="0"/>
-              <a:t>設 </a:t>
-            </a:r>
-            <a:r>
-              <a:rPr lang="zh-TW" altLang="en-US" b="1" dirty="0" smtClean="0">
-                <a:solidFill>
-                  <a:srgbClr val="0070C0"/>
-                </a:solidFill>
-                <a:latin typeface="微軟正黑體" panose="020B0604030504040204" pitchFamily="34" charset="-120"/>
-                <a:ea typeface="微軟正黑體" panose="020B0604030504040204" pitchFamily="34" charset="-120"/>
-              </a:rPr>
-              <a:t>滾動計時器</a:t>
-            </a:r>
-            <a:r>
-              <a:rPr lang="en-US" altLang="zh-TW" b="1" dirty="0">
-                <a:solidFill>
-                  <a:srgbClr val="0070C0"/>
-                </a:solidFill>
-                <a:latin typeface="微軟正黑體" panose="020B0604030504040204" pitchFamily="34" charset="-120"/>
-                <a:ea typeface="微軟正黑體" panose="020B0604030504040204" pitchFamily="34" charset="-120"/>
-              </a:rPr>
-              <a:t>.</a:t>
+            <a:endParaRPr lang="en-US" altLang="zh-TW" dirty="0" smtClean="0"/>
+          </a:p>
+          <a:p>
+            <a:pPr marL="0" lvl="1"/>
+            <a:r>
+              <a:rPr lang="en-US" altLang="zh-TW" dirty="0" smtClean="0"/>
+              <a:t> [</a:t>
             </a:r>
             <a:r>
               <a:rPr lang="zh-TW" altLang="en-US" b="1" dirty="0">
@@ -11338,56 +11476,795 @@
                 <a:latin typeface="微軟正黑體" panose="020B0604030504040204" pitchFamily="34" charset="-120"/>
                 <a:ea typeface="微軟正黑體" panose="020B0604030504040204" pitchFamily="34" charset="-120"/>
               </a:rPr>
-              <a:t>啟用計時 </a:t>
-            </a:r>
-            <a:r>
-              <a:rPr lang="zh-TW" altLang="en-US" dirty="0"/>
-              <a:t>為 </a:t>
-            </a:r>
-            <a:r>
-              <a:rPr lang="zh-TW" altLang="en-US" b="1" dirty="0">
+              <a:t>呼叫顯示結果</a:t>
+            </a:r>
+            <a:r>
+              <a:rPr lang="en-US" altLang="zh-TW" dirty="0"/>
+              <a:t>]</a:t>
+            </a:r>
+            <a:endParaRPr lang="zh-TW" altLang="en-US" dirty="0"/>
+          </a:p>
+        </p:txBody>
+      </p:sp>
+      <p:cxnSp>
+        <p:nvCxnSpPr>
+          <p:cNvPr id="20" name="直線單箭頭接點 19"/>
+          <p:cNvCxnSpPr>
+            <a:stCxn id="18" idx="4"/>
+            <a:endCxn id="19" idx="0"/>
+          </p:cNvCxnSpPr>
+          <p:nvPr/>
+        </p:nvCxnSpPr>
+        <p:spPr>
+          <a:xfrm>
+            <a:off x="5562161" y="4572383"/>
+            <a:ext cx="0" cy="250418"/>
+          </a:xfrm>
+          <a:prstGeom prst="straightConnector1">
+            <a:avLst/>
+          </a:prstGeom>
+          <a:ln w="28575">
+            <a:solidFill>
+              <a:schemeClr val="tx1"/>
+            </a:solidFill>
+            <a:tailEnd type="triangle"/>
+          </a:ln>
+        </p:spPr>
+        <p:style>
+          <a:lnRef idx="1">
+            <a:schemeClr val="accent1"/>
+          </a:lnRef>
+          <a:fillRef idx="0">
+            <a:schemeClr val="accent1"/>
+          </a:fillRef>
+          <a:effectRef idx="0">
+            <a:schemeClr val="accent1"/>
+          </a:effectRef>
+          <a:fontRef idx="minor">
+            <a:schemeClr val="tx1"/>
+          </a:fontRef>
+        </p:style>
+      </p:cxnSp>
+      <p:sp>
+        <p:nvSpPr>
+          <p:cNvPr id="21" name="橢圓 20"/>
+          <p:cNvSpPr/>
+          <p:nvPr/>
+        </p:nvSpPr>
+        <p:spPr>
+          <a:xfrm>
+            <a:off x="5095817" y="5996550"/>
+            <a:ext cx="932688" cy="347472"/>
+          </a:xfrm>
+          <a:prstGeom prst="ellipse">
+            <a:avLst/>
+          </a:prstGeom>
+          <a:solidFill>
+            <a:schemeClr val="bg1"/>
+          </a:solidFill>
+          <a:ln>
+            <a:solidFill>
+              <a:schemeClr val="tx1"/>
+            </a:solidFill>
+          </a:ln>
+        </p:spPr>
+        <p:style>
+          <a:lnRef idx="2">
+            <a:schemeClr val="accent1">
+              <a:shade val="50000"/>
+            </a:schemeClr>
+          </a:lnRef>
+          <a:fillRef idx="1">
+            <a:schemeClr val="accent1"/>
+          </a:fillRef>
+          <a:effectRef idx="0">
+            <a:schemeClr val="accent1"/>
+          </a:effectRef>
+          <a:fontRef idx="minor">
+            <a:schemeClr val="lt1"/>
+          </a:fontRef>
+        </p:style>
+        <p:txBody>
+          <a:bodyPr rtlCol="0" anchor="ctr"/>
+          <a:lstStyle/>
+          <a:p>
+            <a:pPr algn="ctr"/>
+            <a:r>
+              <a:rPr lang="zh-TW" altLang="en-US" dirty="0" smtClean="0">
                 <a:solidFill>
-                  <a:srgbClr val="0070C0"/>
+                  <a:schemeClr val="tx1"/>
+                </a:solidFill>
+              </a:rPr>
+              <a:t>結束</a:t>
+            </a:r>
+            <a:endParaRPr lang="zh-TW" altLang="en-US" dirty="0">
+              <a:solidFill>
+                <a:schemeClr val="tx1"/>
+              </a:solidFill>
+            </a:endParaRPr>
+          </a:p>
+        </p:txBody>
+      </p:sp>
+      <p:cxnSp>
+        <p:nvCxnSpPr>
+          <p:cNvPr id="22" name="直線單箭頭接點 21"/>
+          <p:cNvCxnSpPr>
+            <a:stCxn id="19" idx="2"/>
+            <a:endCxn id="21" idx="0"/>
+          </p:cNvCxnSpPr>
+          <p:nvPr/>
+        </p:nvCxnSpPr>
+        <p:spPr>
+          <a:xfrm>
+            <a:off x="5562161" y="5746131"/>
+            <a:ext cx="0" cy="250419"/>
+          </a:xfrm>
+          <a:prstGeom prst="straightConnector1">
+            <a:avLst/>
+          </a:prstGeom>
+          <a:ln w="28575">
+            <a:solidFill>
+              <a:schemeClr val="tx1"/>
+            </a:solidFill>
+            <a:tailEnd type="triangle"/>
+          </a:ln>
+        </p:spPr>
+        <p:style>
+          <a:lnRef idx="1">
+            <a:schemeClr val="accent1"/>
+          </a:lnRef>
+          <a:fillRef idx="0">
+            <a:schemeClr val="accent1"/>
+          </a:fillRef>
+          <a:effectRef idx="0">
+            <a:schemeClr val="accent1"/>
+          </a:effectRef>
+          <a:fontRef idx="minor">
+            <a:schemeClr val="tx1"/>
+          </a:fontRef>
+        </p:style>
+      </p:cxnSp>
+      <p:sp>
+        <p:nvSpPr>
+          <p:cNvPr id="23" name="文字方塊 22"/>
+          <p:cNvSpPr txBox="1"/>
+          <p:nvPr/>
+        </p:nvSpPr>
+        <p:spPr>
+          <a:xfrm>
+            <a:off x="3528496" y="4512926"/>
+            <a:ext cx="1800493" cy="369332"/>
+          </a:xfrm>
+          <a:prstGeom prst="rect">
+            <a:avLst/>
+          </a:prstGeom>
+          <a:noFill/>
+        </p:spPr>
+        <p:txBody>
+          <a:bodyPr wrap="none" rtlCol="0">
+            <a:spAutoFit/>
+          </a:bodyPr>
+          <a:lstStyle/>
+          <a:p>
+            <a:r>
+              <a:rPr lang="zh-TW" altLang="en-US" b="1" dirty="0" smtClean="0">
+                <a:solidFill>
+                  <a:srgbClr val="FF0000"/>
                 </a:solidFill>
                 <a:latin typeface="微軟正黑體" panose="020B0604030504040204" pitchFamily="34" charset="-120"/>
                 <a:ea typeface="微軟正黑體" panose="020B0604030504040204" pitchFamily="34" charset="-120"/>
               </a:rPr>
-              <a:t>假</a:t>
+              <a:t>延遲計時器計時</a:t>
+            </a:r>
+            <a:endParaRPr lang="zh-TW" altLang="en-US" b="1" dirty="0">
+              <a:solidFill>
+                <a:srgbClr val="FF0000"/>
+              </a:solidFill>
+              <a:latin typeface="微軟正黑體" panose="020B0604030504040204" pitchFamily="34" charset="-120"/>
+              <a:ea typeface="微軟正黑體" panose="020B0604030504040204" pitchFamily="34" charset="-120"/>
+            </a:endParaRPr>
+          </a:p>
+        </p:txBody>
+      </p:sp>
+      <p:cxnSp>
+        <p:nvCxnSpPr>
+          <p:cNvPr id="38" name="肘形接點 37"/>
+          <p:cNvCxnSpPr>
+            <a:endCxn id="18" idx="0"/>
+          </p:cNvCxnSpPr>
+          <p:nvPr/>
+        </p:nvCxnSpPr>
+        <p:spPr>
+          <a:xfrm>
+            <a:off x="2514600" y="3703320"/>
+            <a:ext cx="3047561" cy="521591"/>
+          </a:xfrm>
+          <a:prstGeom prst="bentConnector2">
+            <a:avLst/>
+          </a:prstGeom>
+          <a:ln w="28575">
+            <a:tailEnd type="triangle"/>
+          </a:ln>
+        </p:spPr>
+        <p:style>
+          <a:lnRef idx="1">
+            <a:schemeClr val="accent1"/>
+          </a:lnRef>
+          <a:fillRef idx="0">
+            <a:schemeClr val="accent1"/>
+          </a:fillRef>
+          <a:effectRef idx="0">
+            <a:schemeClr val="accent1"/>
+          </a:effectRef>
+          <a:fontRef idx="minor">
+            <a:schemeClr val="tx1"/>
+          </a:fontRef>
+        </p:style>
+      </p:cxnSp>
+      <p:sp>
+        <p:nvSpPr>
+          <p:cNvPr id="39" name="橢圓 38"/>
+          <p:cNvSpPr/>
+          <p:nvPr/>
+        </p:nvSpPr>
+        <p:spPr>
+          <a:xfrm>
+            <a:off x="9285169" y="4234438"/>
+            <a:ext cx="932688" cy="347472"/>
+          </a:xfrm>
+          <a:prstGeom prst="ellipse">
+            <a:avLst/>
+          </a:prstGeom>
+          <a:solidFill>
+            <a:schemeClr val="bg1"/>
+          </a:solidFill>
+          <a:ln>
+            <a:solidFill>
+              <a:schemeClr val="tx1"/>
+            </a:solidFill>
+          </a:ln>
+        </p:spPr>
+        <p:style>
+          <a:lnRef idx="2">
+            <a:schemeClr val="accent1">
+              <a:shade val="50000"/>
+            </a:schemeClr>
+          </a:lnRef>
+          <a:fillRef idx="1">
+            <a:schemeClr val="accent1"/>
+          </a:fillRef>
+          <a:effectRef idx="0">
+            <a:schemeClr val="accent1"/>
+          </a:effectRef>
+          <a:fontRef idx="minor">
+            <a:schemeClr val="lt1"/>
+          </a:fontRef>
+        </p:style>
+        <p:txBody>
+          <a:bodyPr rtlCol="0" anchor="ctr"/>
+          <a:lstStyle/>
+          <a:p>
+            <a:pPr algn="ctr"/>
+            <a:r>
+              <a:rPr lang="zh-TW" altLang="en-US" dirty="0" smtClean="0">
+                <a:solidFill>
+                  <a:schemeClr val="tx1"/>
+                </a:solidFill>
+              </a:rPr>
+              <a:t>開始</a:t>
+            </a:r>
+            <a:endParaRPr lang="zh-TW" altLang="en-US" dirty="0">
+              <a:solidFill>
+                <a:schemeClr val="tx1"/>
+              </a:solidFill>
+            </a:endParaRPr>
+          </a:p>
+        </p:txBody>
+      </p:sp>
+      <p:sp>
+        <p:nvSpPr>
+          <p:cNvPr id="40" name="文字方塊 39"/>
+          <p:cNvSpPr txBox="1"/>
+          <p:nvPr/>
+        </p:nvSpPr>
+        <p:spPr>
+          <a:xfrm>
+            <a:off x="8029728" y="4822801"/>
+            <a:ext cx="3443571" cy="923330"/>
+          </a:xfrm>
+          <a:prstGeom prst="rect">
+            <a:avLst/>
+          </a:prstGeom>
+          <a:solidFill>
+            <a:schemeClr val="bg1"/>
+          </a:solidFill>
+          <a:ln>
+            <a:solidFill>
+              <a:schemeClr val="tx1"/>
+            </a:solidFill>
+          </a:ln>
+        </p:spPr>
+        <p:txBody>
+          <a:bodyPr wrap="none" rtlCol="0">
+            <a:spAutoFit/>
+          </a:bodyPr>
+          <a:lstStyle/>
+          <a:p>
+            <a:pPr marL="0" lvl="1"/>
+            <a:r>
+              <a:rPr lang="zh-TW" altLang="en-US" dirty="0"/>
+              <a:t>隨機產生</a:t>
             </a:r>
             <a:r>
               <a:rPr lang="en-US" altLang="zh-TW" dirty="0"/>
-              <a:t>)</a:t>
-            </a:r>
-            <a:endParaRPr lang="zh-TW" altLang="en-US" dirty="0"/>
-          </a:p>
-          <a:p>
-            <a:pPr lvl="1"/>
-            <a:r>
-              <a:rPr lang="en-US" altLang="zh-TW" dirty="0" smtClean="0"/>
-              <a:t>[</a:t>
-            </a:r>
+              <a:t>3</a:t>
+            </a:r>
+            <a:r>
+              <a:rPr lang="zh-TW" altLang="en-US" dirty="0"/>
+              <a:t>個點數</a:t>
+            </a:r>
+            <a:r>
+              <a:rPr lang="en-US" altLang="zh-TW" dirty="0"/>
+              <a:t>(1~6)</a:t>
+            </a:r>
+          </a:p>
+          <a:p>
+            <a:pPr marL="0" lvl="1"/>
+            <a:r>
+              <a:rPr lang="zh-TW" altLang="en-US" dirty="0"/>
+              <a:t>顯示該點數的</a:t>
+            </a:r>
+            <a:r>
+              <a:rPr lang="en-US" altLang="zh-TW" dirty="0"/>
+              <a:t>3</a:t>
+            </a:r>
+            <a:r>
+              <a:rPr lang="zh-TW" altLang="en-US" dirty="0"/>
+              <a:t>個骰子</a:t>
+            </a:r>
+          </a:p>
+          <a:p>
+            <a:pPr marL="0" lvl="1"/>
+            <a:r>
+              <a:rPr lang="zh-TW" altLang="en-US" dirty="0"/>
+              <a:t>隨機轉</a:t>
+            </a:r>
+            <a:r>
+              <a:rPr lang="en-US" altLang="zh-TW" dirty="0"/>
+              <a:t>3</a:t>
+            </a:r>
+            <a:r>
+              <a:rPr lang="zh-TW" altLang="en-US" dirty="0"/>
+              <a:t>個骰子一個角度</a:t>
+            </a:r>
+            <a:r>
+              <a:rPr lang="en-US" altLang="zh-TW" dirty="0"/>
+              <a:t>(0~360)</a:t>
+            </a:r>
+          </a:p>
+        </p:txBody>
+      </p:sp>
+      <p:cxnSp>
+        <p:nvCxnSpPr>
+          <p:cNvPr id="41" name="直線單箭頭接點 40"/>
+          <p:cNvCxnSpPr>
+            <a:stCxn id="39" idx="4"/>
+            <a:endCxn id="40" idx="0"/>
+          </p:cNvCxnSpPr>
+          <p:nvPr/>
+        </p:nvCxnSpPr>
+        <p:spPr>
+          <a:xfrm>
+            <a:off x="9751513" y="4581910"/>
+            <a:ext cx="1" cy="240891"/>
+          </a:xfrm>
+          <a:prstGeom prst="straightConnector1">
+            <a:avLst/>
+          </a:prstGeom>
+          <a:ln w="28575">
+            <a:solidFill>
+              <a:schemeClr val="tx1"/>
+            </a:solidFill>
+            <a:tailEnd type="triangle"/>
+          </a:ln>
+        </p:spPr>
+        <p:style>
+          <a:lnRef idx="1">
+            <a:schemeClr val="accent1"/>
+          </a:lnRef>
+          <a:fillRef idx="0">
+            <a:schemeClr val="accent1"/>
+          </a:fillRef>
+          <a:effectRef idx="0">
+            <a:schemeClr val="accent1"/>
+          </a:effectRef>
+          <a:fontRef idx="minor">
+            <a:schemeClr val="tx1"/>
+          </a:fontRef>
+        </p:style>
+      </p:cxnSp>
+      <p:sp>
+        <p:nvSpPr>
+          <p:cNvPr id="42" name="橢圓 41"/>
+          <p:cNvSpPr/>
+          <p:nvPr/>
+        </p:nvSpPr>
+        <p:spPr>
+          <a:xfrm>
+            <a:off x="9285169" y="6170286"/>
+            <a:ext cx="932688" cy="347472"/>
+          </a:xfrm>
+          <a:prstGeom prst="ellipse">
+            <a:avLst/>
+          </a:prstGeom>
+          <a:solidFill>
+            <a:schemeClr val="bg1"/>
+          </a:solidFill>
+          <a:ln>
+            <a:solidFill>
+              <a:schemeClr val="tx1"/>
+            </a:solidFill>
+          </a:ln>
+        </p:spPr>
+        <p:style>
+          <a:lnRef idx="2">
+            <a:schemeClr val="accent1">
+              <a:shade val="50000"/>
+            </a:schemeClr>
+          </a:lnRef>
+          <a:fillRef idx="1">
+            <a:schemeClr val="accent1"/>
+          </a:fillRef>
+          <a:effectRef idx="0">
+            <a:schemeClr val="accent1"/>
+          </a:effectRef>
+          <a:fontRef idx="minor">
+            <a:schemeClr val="lt1"/>
+          </a:fontRef>
+        </p:style>
+        <p:txBody>
+          <a:bodyPr rtlCol="0" anchor="ctr"/>
+          <a:lstStyle/>
+          <a:p>
+            <a:pPr algn="ctr"/>
+            <a:r>
+              <a:rPr lang="zh-TW" altLang="en-US" dirty="0" smtClean="0">
+                <a:solidFill>
+                  <a:schemeClr val="tx1"/>
+                </a:solidFill>
+              </a:rPr>
+              <a:t>結束</a:t>
+            </a:r>
+            <a:endParaRPr lang="zh-TW" altLang="en-US" dirty="0">
+              <a:solidFill>
+                <a:schemeClr val="tx1"/>
+              </a:solidFill>
+            </a:endParaRPr>
+          </a:p>
+        </p:txBody>
+      </p:sp>
+      <p:cxnSp>
+        <p:nvCxnSpPr>
+          <p:cNvPr id="43" name="直線單箭頭接點 42"/>
+          <p:cNvCxnSpPr>
+            <a:stCxn id="40" idx="2"/>
+            <a:endCxn id="42" idx="0"/>
+          </p:cNvCxnSpPr>
+          <p:nvPr/>
+        </p:nvCxnSpPr>
+        <p:spPr>
+          <a:xfrm flipH="1">
+            <a:off x="9751513" y="5746131"/>
+            <a:ext cx="1" cy="424155"/>
+          </a:xfrm>
+          <a:prstGeom prst="straightConnector1">
+            <a:avLst/>
+          </a:prstGeom>
+          <a:ln w="28575">
+            <a:solidFill>
+              <a:schemeClr val="tx1"/>
+            </a:solidFill>
+            <a:tailEnd type="triangle"/>
+          </a:ln>
+        </p:spPr>
+        <p:style>
+          <a:lnRef idx="1">
+            <a:schemeClr val="accent1"/>
+          </a:lnRef>
+          <a:fillRef idx="0">
+            <a:schemeClr val="accent1"/>
+          </a:fillRef>
+          <a:effectRef idx="0">
+            <a:schemeClr val="accent1"/>
+          </a:effectRef>
+          <a:fontRef idx="minor">
+            <a:schemeClr val="tx1"/>
+          </a:fontRef>
+        </p:style>
+      </p:cxnSp>
+      <p:sp>
+        <p:nvSpPr>
+          <p:cNvPr id="44" name="文字方塊 43"/>
+          <p:cNvSpPr txBox="1"/>
+          <p:nvPr/>
+        </p:nvSpPr>
+        <p:spPr>
+          <a:xfrm>
+            <a:off x="9901397" y="3932474"/>
+            <a:ext cx="1800493" cy="369332"/>
+          </a:xfrm>
+          <a:prstGeom prst="rect">
+            <a:avLst/>
+          </a:prstGeom>
+          <a:noFill/>
+        </p:spPr>
+        <p:txBody>
+          <a:bodyPr wrap="none" rtlCol="0">
+            <a:spAutoFit/>
+          </a:bodyPr>
+          <a:lstStyle/>
+          <a:p>
             <a:r>
               <a:rPr lang="zh-TW" altLang="en-US" b="1" dirty="0" smtClean="0">
                 <a:solidFill>
-                  <a:srgbClr val="0070C0"/>
+                  <a:srgbClr val="FF0000"/>
                 </a:solidFill>
                 <a:latin typeface="微軟正黑體" panose="020B0604030504040204" pitchFamily="34" charset="-120"/>
                 <a:ea typeface="微軟正黑體" panose="020B0604030504040204" pitchFamily="34" charset="-120"/>
               </a:rPr>
-              <a:t>呼叫顯示結果</a:t>
-            </a:r>
-            <a:r>
-              <a:rPr lang="en-US" altLang="zh-TW" dirty="0" smtClean="0"/>
-              <a:t>]</a:t>
-            </a:r>
-            <a:endParaRPr lang="zh-TW" altLang="en-US" dirty="0"/>
-          </a:p>
-        </p:txBody>
-      </p:sp>
+              <a:t>滾動計時器計時</a:t>
+            </a:r>
+            <a:endParaRPr lang="zh-TW" altLang="en-US" b="1" dirty="0">
+              <a:solidFill>
+                <a:srgbClr val="FF0000"/>
+              </a:solidFill>
+              <a:latin typeface="微軟正黑體" panose="020B0604030504040204" pitchFamily="34" charset="-120"/>
+              <a:ea typeface="微軟正黑體" panose="020B0604030504040204" pitchFamily="34" charset="-120"/>
+            </a:endParaRPr>
+          </a:p>
+        </p:txBody>
+      </p:sp>
+      <p:cxnSp>
+        <p:nvCxnSpPr>
+          <p:cNvPr id="45" name="肘形接點 44"/>
+          <p:cNvCxnSpPr>
+            <a:endCxn id="39" idx="0"/>
+          </p:cNvCxnSpPr>
+          <p:nvPr/>
+        </p:nvCxnSpPr>
+        <p:spPr>
+          <a:xfrm>
+            <a:off x="2514600" y="3968496"/>
+            <a:ext cx="7236913" cy="265942"/>
+          </a:xfrm>
+          <a:prstGeom prst="bentConnector2">
+            <a:avLst/>
+          </a:prstGeom>
+          <a:ln w="28575">
+            <a:tailEnd type="triangle"/>
+          </a:ln>
+        </p:spPr>
+        <p:style>
+          <a:lnRef idx="1">
+            <a:schemeClr val="accent1"/>
+          </a:lnRef>
+          <a:fillRef idx="0">
+            <a:schemeClr val="accent1"/>
+          </a:fillRef>
+          <a:effectRef idx="0">
+            <a:schemeClr val="accent1"/>
+          </a:effectRef>
+          <a:fontRef idx="minor">
+            <a:schemeClr val="tx1"/>
+          </a:fontRef>
+        </p:style>
+      </p:cxnSp>
+      <p:sp>
+        <p:nvSpPr>
+          <p:cNvPr id="52" name="弧形 51"/>
+          <p:cNvSpPr/>
+          <p:nvPr/>
+        </p:nvSpPr>
+        <p:spPr>
+          <a:xfrm>
+            <a:off x="5097234" y="2683817"/>
+            <a:ext cx="2750133" cy="2607464"/>
+          </a:xfrm>
+          <a:prstGeom prst="arc">
+            <a:avLst>
+              <a:gd name="adj1" fmla="val 14006"/>
+              <a:gd name="adj2" fmla="val 5396301"/>
+            </a:avLst>
+          </a:prstGeom>
+          <a:ln w="28575">
+            <a:solidFill>
+              <a:srgbClr val="0070C0"/>
+            </a:solidFill>
+            <a:headEnd type="triangle" w="med" len="med"/>
+            <a:tailEnd type="none" w="med" len="med"/>
+          </a:ln>
+        </p:spPr>
+        <p:style>
+          <a:lnRef idx="1">
+            <a:schemeClr val="accent1"/>
+          </a:lnRef>
+          <a:fillRef idx="0">
+            <a:schemeClr val="accent1"/>
+          </a:fillRef>
+          <a:effectRef idx="0">
+            <a:schemeClr val="accent1"/>
+          </a:effectRef>
+          <a:fontRef idx="minor">
+            <a:schemeClr val="tx1"/>
+          </a:fontRef>
+        </p:style>
+        <p:txBody>
+          <a:bodyPr rtlCol="0" anchor="ctr"/>
+          <a:lstStyle/>
+          <a:p>
+            <a:pPr algn="ctr"/>
+            <a:endParaRPr lang="zh-TW" altLang="en-US"/>
+          </a:p>
+        </p:txBody>
+      </p:sp>
+      <p:sp>
+        <p:nvSpPr>
+          <p:cNvPr id="53" name="乘號 52"/>
+          <p:cNvSpPr/>
+          <p:nvPr/>
+        </p:nvSpPr>
+        <p:spPr>
+          <a:xfrm>
+            <a:off x="7762495" y="3644328"/>
+            <a:ext cx="640080" cy="675382"/>
+          </a:xfrm>
+          <a:prstGeom prst="mathMultiply">
+            <a:avLst/>
+          </a:prstGeom>
+        </p:spPr>
+        <p:style>
+          <a:lnRef idx="2">
+            <a:schemeClr val="accent1">
+              <a:shade val="50000"/>
+            </a:schemeClr>
+          </a:lnRef>
+          <a:fillRef idx="1">
+            <a:schemeClr val="accent1"/>
+          </a:fillRef>
+          <a:effectRef idx="0">
+            <a:schemeClr val="accent1"/>
+          </a:effectRef>
+          <a:fontRef idx="minor">
+            <a:schemeClr val="lt1"/>
+          </a:fontRef>
+        </p:style>
+        <p:txBody>
+          <a:bodyPr rtlCol="0" anchor="ctr"/>
+          <a:lstStyle/>
+          <a:p>
+            <a:pPr algn="ctr"/>
+            <a:endParaRPr lang="zh-TW" altLang="en-US"/>
+          </a:p>
+        </p:txBody>
+      </p:sp>
+      <p:grpSp>
+        <p:nvGrpSpPr>
+          <p:cNvPr id="56" name="群組 55"/>
+          <p:cNvGrpSpPr/>
+          <p:nvPr/>
+        </p:nvGrpSpPr>
+        <p:grpSpPr>
+          <a:xfrm>
+            <a:off x="7890183" y="4279965"/>
+            <a:ext cx="1660429" cy="2009001"/>
+            <a:chOff x="7890183" y="4279965"/>
+            <a:chExt cx="1660429" cy="2009001"/>
+          </a:xfrm>
+        </p:grpSpPr>
+        <p:sp>
+          <p:nvSpPr>
+            <p:cNvPr id="54" name="弧形箭號 (左彎) 53"/>
+            <p:cNvSpPr/>
+            <p:nvPr/>
+          </p:nvSpPr>
+          <p:spPr>
+            <a:xfrm rot="10800000">
+              <a:off x="7890183" y="4279965"/>
+              <a:ext cx="799537" cy="2009001"/>
+            </a:xfrm>
+            <a:prstGeom prst="curvedLeftArrow">
+              <a:avLst/>
+            </a:prstGeom>
+          </p:spPr>
+          <p:style>
+            <a:lnRef idx="2">
+              <a:schemeClr val="accent1">
+                <a:shade val="50000"/>
+              </a:schemeClr>
+            </a:lnRef>
+            <a:fillRef idx="1">
+              <a:schemeClr val="accent1"/>
+            </a:fillRef>
+            <a:effectRef idx="0">
+              <a:schemeClr val="accent1"/>
+            </a:effectRef>
+            <a:fontRef idx="minor">
+              <a:schemeClr val="lt1"/>
+            </a:fontRef>
+          </p:style>
+          <p:txBody>
+            <a:bodyPr rtlCol="0" anchor="ctr"/>
+            <a:lstStyle/>
+            <a:p>
+              <a:pPr algn="ctr"/>
+              <a:endParaRPr lang="zh-TW" altLang="en-US">
+                <a:solidFill>
+                  <a:schemeClr val="tx1"/>
+                </a:solidFill>
+              </a:endParaRPr>
+            </a:p>
+          </p:txBody>
+        </p:sp>
+        <p:sp>
+          <p:nvSpPr>
+            <p:cNvPr id="55" name="文字方塊 54"/>
+            <p:cNvSpPr txBox="1"/>
+            <p:nvPr/>
+          </p:nvSpPr>
+          <p:spPr>
+            <a:xfrm>
+              <a:off x="8513149" y="4489316"/>
+              <a:ext cx="1037463" cy="338554"/>
+            </a:xfrm>
+            <a:prstGeom prst="rect">
+              <a:avLst/>
+            </a:prstGeom>
+            <a:noFill/>
+          </p:spPr>
+          <p:txBody>
+            <a:bodyPr wrap="none" rtlCol="0">
+              <a:spAutoFit/>
+            </a:bodyPr>
+            <a:lstStyle/>
+            <a:p>
+              <a:r>
+                <a:rPr lang="zh-TW" altLang="en-US" sz="1600" dirty="0">
+                  <a:solidFill>
+                    <a:srgbClr val="FF0000"/>
+                  </a:solidFill>
+                  <a:latin typeface="微軟正黑體" panose="020B0604030504040204" pitchFamily="34" charset="-120"/>
+                  <a:ea typeface="微軟正黑體" panose="020B0604030504040204" pitchFamily="34" charset="-120"/>
+                </a:rPr>
+                <a:t>每秒</a:t>
+              </a:r>
+              <a:r>
+                <a:rPr lang="en-US" altLang="zh-TW" sz="1600" dirty="0">
+                  <a:solidFill>
+                    <a:srgbClr val="FF0000"/>
+                  </a:solidFill>
+                  <a:latin typeface="微軟正黑體" panose="020B0604030504040204" pitchFamily="34" charset="-120"/>
+                  <a:ea typeface="微軟正黑體" panose="020B0604030504040204" pitchFamily="34" charset="-120"/>
+                </a:rPr>
+                <a:t>10</a:t>
+              </a:r>
+              <a:r>
+                <a:rPr lang="zh-TW" altLang="en-US" sz="1600" dirty="0">
+                  <a:solidFill>
+                    <a:srgbClr val="FF0000"/>
+                  </a:solidFill>
+                  <a:latin typeface="微軟正黑體" panose="020B0604030504040204" pitchFamily="34" charset="-120"/>
+                  <a:ea typeface="微軟正黑體" panose="020B0604030504040204" pitchFamily="34" charset="-120"/>
+                </a:rPr>
+                <a:t>次</a:t>
+              </a:r>
+            </a:p>
+          </p:txBody>
+        </p:sp>
+      </p:grpSp>
     </p:spTree>
     <p:extLst>
       <p:ext uri="{BB962C8B-B14F-4D97-AF65-F5344CB8AC3E}">
-        <p14:creationId xmlns:p14="http://schemas.microsoft.com/office/powerpoint/2010/main" val="2328251169"/>
+        <p14:creationId xmlns:p14="http://schemas.microsoft.com/office/powerpoint/2010/main" val="3239604663"/>
       </p:ext>
     </p:extLst>
   </p:cSld>
@@ -11397,9 +12274,299 @@
   <p:timing>
     <p:tnLst>
       <p:par>
-        <p:cTn id="1" dur="indefinite" restart="never" nodeType="tmRoot"/>
+        <p:cTn id="1" dur="indefinite" restart="never" nodeType="tmRoot">
+          <p:childTnLst>
+            <p:seq concurrent="1" nextAc="seek">
+              <p:cTn id="2" dur="indefinite" nodeType="mainSeq">
+                <p:childTnLst>
+                  <p:par>
+                    <p:cTn id="3" fill="hold">
+                      <p:stCondLst>
+                        <p:cond delay="indefinite"/>
+                      </p:stCondLst>
+                      <p:childTnLst>
+                        <p:par>
+                          <p:cTn id="4" fill="hold">
+                            <p:stCondLst>
+                              <p:cond delay="0"/>
+                            </p:stCondLst>
+                            <p:childTnLst>
+                              <p:par>
+                                <p:cTn id="5" presetID="22" presetClass="entr" presetSubtype="8" fill="hold" nodeType="clickEffect">
+                                  <p:stCondLst>
+                                    <p:cond delay="0"/>
+                                  </p:stCondLst>
+                                  <p:childTnLst>
+                                    <p:set>
+                                      <p:cBhvr>
+                                        <p:cTn id="6" dur="1" fill="hold">
+                                          <p:stCondLst>
+                                            <p:cond delay="0"/>
+                                          </p:stCondLst>
+                                        </p:cTn>
+                                        <p:tgtEl>
+                                          <p:spTgt spid="38"/>
+                                        </p:tgtEl>
+                                        <p:attrNameLst>
+                                          <p:attrName>style.visibility</p:attrName>
+                                        </p:attrNameLst>
+                                      </p:cBhvr>
+                                      <p:to>
+                                        <p:strVal val="visible"/>
+                                      </p:to>
+                                    </p:set>
+                                    <p:animEffect transition="in" filter="wipe(left)">
+                                      <p:cBhvr>
+                                        <p:cTn id="7" dur="500"/>
+                                        <p:tgtEl>
+                                          <p:spTgt spid="38"/>
+                                        </p:tgtEl>
+                                      </p:cBhvr>
+                                    </p:animEffect>
+                                  </p:childTnLst>
+                                </p:cTn>
+                              </p:par>
+                            </p:childTnLst>
+                          </p:cTn>
+                        </p:par>
+                      </p:childTnLst>
+                    </p:cTn>
+                  </p:par>
+                  <p:par>
+                    <p:cTn id="8" fill="hold">
+                      <p:stCondLst>
+                        <p:cond delay="indefinite"/>
+                      </p:stCondLst>
+                      <p:childTnLst>
+                        <p:par>
+                          <p:cTn id="9" fill="hold">
+                            <p:stCondLst>
+                              <p:cond delay="0"/>
+                            </p:stCondLst>
+                            <p:childTnLst>
+                              <p:par>
+                                <p:cTn id="10" presetID="22" presetClass="entr" presetSubtype="8" fill="hold" nodeType="clickEffect">
+                                  <p:stCondLst>
+                                    <p:cond delay="0"/>
+                                  </p:stCondLst>
+                                  <p:childTnLst>
+                                    <p:set>
+                                      <p:cBhvr>
+                                        <p:cTn id="11" dur="1" fill="hold">
+                                          <p:stCondLst>
+                                            <p:cond delay="0"/>
+                                          </p:stCondLst>
+                                        </p:cTn>
+                                        <p:tgtEl>
+                                          <p:spTgt spid="45"/>
+                                        </p:tgtEl>
+                                        <p:attrNameLst>
+                                          <p:attrName>style.visibility</p:attrName>
+                                        </p:attrNameLst>
+                                      </p:cBhvr>
+                                      <p:to>
+                                        <p:strVal val="visible"/>
+                                      </p:to>
+                                    </p:set>
+                                    <p:animEffect transition="in" filter="wipe(left)">
+                                      <p:cBhvr>
+                                        <p:cTn id="12" dur="500"/>
+                                        <p:tgtEl>
+                                          <p:spTgt spid="45"/>
+                                        </p:tgtEl>
+                                      </p:cBhvr>
+                                    </p:animEffect>
+                                  </p:childTnLst>
+                                </p:cTn>
+                              </p:par>
+                            </p:childTnLst>
+                          </p:cTn>
+                        </p:par>
+                      </p:childTnLst>
+                    </p:cTn>
+                  </p:par>
+                  <p:par>
+                    <p:cTn id="13" fill="hold">
+                      <p:stCondLst>
+                        <p:cond delay="indefinite"/>
+                      </p:stCondLst>
+                      <p:childTnLst>
+                        <p:par>
+                          <p:cTn id="14" fill="hold">
+                            <p:stCondLst>
+                              <p:cond delay="0"/>
+                            </p:stCondLst>
+                            <p:childTnLst>
+                              <p:par>
+                                <p:cTn id="15" presetID="22" presetClass="entr" presetSubtype="4" fill="hold" nodeType="clickEffect">
+                                  <p:stCondLst>
+                                    <p:cond delay="0"/>
+                                  </p:stCondLst>
+                                  <p:childTnLst>
+                                    <p:set>
+                                      <p:cBhvr>
+                                        <p:cTn id="16" dur="1" fill="hold">
+                                          <p:stCondLst>
+                                            <p:cond delay="0"/>
+                                          </p:stCondLst>
+                                        </p:cTn>
+                                        <p:tgtEl>
+                                          <p:spTgt spid="56"/>
+                                        </p:tgtEl>
+                                        <p:attrNameLst>
+                                          <p:attrName>style.visibility</p:attrName>
+                                        </p:attrNameLst>
+                                      </p:cBhvr>
+                                      <p:to>
+                                        <p:strVal val="visible"/>
+                                      </p:to>
+                                    </p:set>
+                                    <p:animEffect transition="in" filter="wipe(down)">
+                                      <p:cBhvr>
+                                        <p:cTn id="17" dur="500"/>
+                                        <p:tgtEl>
+                                          <p:spTgt spid="56"/>
+                                        </p:tgtEl>
+                                      </p:cBhvr>
+                                    </p:animEffect>
+                                  </p:childTnLst>
+                                  <p:subTnLst>
+                                    <p:set>
+                                      <p:cBhvr override="childStyle">
+                                        <p:cTn dur="1" fill="hold" display="0" masterRel="nextClick" afterEffect="1"/>
+                                        <p:tgtEl>
+                                          <p:spTgt spid="56"/>
+                                        </p:tgtEl>
+                                        <p:attrNameLst>
+                                          <p:attrName>style.visibility</p:attrName>
+                                        </p:attrNameLst>
+                                      </p:cBhvr>
+                                      <p:to>
+                                        <p:strVal val="hidden"/>
+                                      </p:to>
+                                    </p:set>
+                                  </p:subTnLst>
+                                </p:cTn>
+                              </p:par>
+                            </p:childTnLst>
+                          </p:cTn>
+                        </p:par>
+                      </p:childTnLst>
+                    </p:cTn>
+                  </p:par>
+                  <p:par>
+                    <p:cTn id="18" fill="hold">
+                      <p:stCondLst>
+                        <p:cond delay="indefinite"/>
+                      </p:stCondLst>
+                      <p:childTnLst>
+                        <p:par>
+                          <p:cTn id="19" fill="hold">
+                            <p:stCondLst>
+                              <p:cond delay="0"/>
+                            </p:stCondLst>
+                            <p:childTnLst>
+                              <p:par>
+                                <p:cTn id="20" presetID="22" presetClass="entr" presetSubtype="4" fill="hold" grpId="0" nodeType="clickEffect">
+                                  <p:stCondLst>
+                                    <p:cond delay="0"/>
+                                  </p:stCondLst>
+                                  <p:childTnLst>
+                                    <p:set>
+                                      <p:cBhvr>
+                                        <p:cTn id="21" dur="1" fill="hold">
+                                          <p:stCondLst>
+                                            <p:cond delay="0"/>
+                                          </p:stCondLst>
+                                        </p:cTn>
+                                        <p:tgtEl>
+                                          <p:spTgt spid="52"/>
+                                        </p:tgtEl>
+                                        <p:attrNameLst>
+                                          <p:attrName>style.visibility</p:attrName>
+                                        </p:attrNameLst>
+                                      </p:cBhvr>
+                                      <p:to>
+                                        <p:strVal val="visible"/>
+                                      </p:to>
+                                    </p:set>
+                                    <p:animEffect transition="in" filter="wipe(down)">
+                                      <p:cBhvr>
+                                        <p:cTn id="22" dur="500"/>
+                                        <p:tgtEl>
+                                          <p:spTgt spid="52"/>
+                                        </p:tgtEl>
+                                      </p:cBhvr>
+                                    </p:animEffect>
+                                  </p:childTnLst>
+                                </p:cTn>
+                              </p:par>
+                              <p:par>
+                                <p:cTn id="23" presetID="22" presetClass="entr" presetSubtype="4" fill="hold" grpId="0" nodeType="withEffect">
+                                  <p:stCondLst>
+                                    <p:cond delay="0"/>
+                                  </p:stCondLst>
+                                  <p:childTnLst>
+                                    <p:set>
+                                      <p:cBhvr>
+                                        <p:cTn id="24" dur="1" fill="hold">
+                                          <p:stCondLst>
+                                            <p:cond delay="0"/>
+                                          </p:stCondLst>
+                                        </p:cTn>
+                                        <p:tgtEl>
+                                          <p:spTgt spid="53"/>
+                                        </p:tgtEl>
+                                        <p:attrNameLst>
+                                          <p:attrName>style.visibility</p:attrName>
+                                        </p:attrNameLst>
+                                      </p:cBhvr>
+                                      <p:to>
+                                        <p:strVal val="visible"/>
+                                      </p:to>
+                                    </p:set>
+                                    <p:animEffect transition="in" filter="wipe(down)">
+                                      <p:cBhvr>
+                                        <p:cTn id="25" dur="500"/>
+                                        <p:tgtEl>
+                                          <p:spTgt spid="53"/>
+                                        </p:tgtEl>
+                                      </p:cBhvr>
+                                    </p:animEffect>
+                                  </p:childTnLst>
+                                </p:cTn>
+                              </p:par>
+                            </p:childTnLst>
+                          </p:cTn>
+                        </p:par>
+                      </p:childTnLst>
+                    </p:cTn>
+                  </p:par>
+                </p:childTnLst>
+              </p:cTn>
+              <p:prevCondLst>
+                <p:cond evt="onPrev" delay="0">
+                  <p:tgtEl>
+                    <p:sldTgt/>
+                  </p:tgtEl>
+                </p:cond>
+              </p:prevCondLst>
+              <p:nextCondLst>
+                <p:cond evt="onNext" delay="0">
+                  <p:tgtEl>
+                    <p:sldTgt/>
+                  </p:tgtEl>
+                </p:cond>
+              </p:nextCondLst>
+            </p:seq>
+          </p:childTnLst>
+        </p:cTn>
       </p:par>
     </p:tnLst>
+    <p:bldLst>
+      <p:bldP spid="52" grpId="0" animBg="1"/>
+      <p:bldP spid="53" grpId="0" animBg="1"/>
+    </p:bldLst>
   </p:timing>
 </p:sld>
 </file>
@@ -11446,7 +12613,7 @@
             </a:r>
             <a:r>
               <a:rPr lang="en-US" altLang="zh-TW" dirty="0" smtClean="0"/>
-              <a:t>3</a:t>
+              <a:t>2</a:t>
             </a:r>
             <a:endParaRPr lang="zh-TW" altLang="en-US" dirty="0"/>
           </a:p>
@@ -11469,39 +12636,197 @@
           <a:p>
             <a:r>
               <a:rPr lang="zh-TW" altLang="en-US" dirty="0"/>
-              <a:t>當</a:t>
+              <a:t>被搖動後要做的</a:t>
+            </a:r>
+            <a:r>
+              <a:rPr lang="zh-TW" altLang="en-US" dirty="0" smtClean="0"/>
+              <a:t>事</a:t>
+            </a:r>
+            <a:endParaRPr lang="en-US" altLang="zh-TW" dirty="0" smtClean="0"/>
+          </a:p>
+          <a:p>
+            <a:pPr marL="914400" lvl="1" indent="-457200">
+              <a:buFont typeface="+mj-lt"/>
+              <a:buAutoNum type="arabicPeriod"/>
+            </a:pPr>
+            <a:r>
+              <a:rPr lang="zh-TW" altLang="en-US" dirty="0" smtClean="0"/>
+              <a:t>呼叫</a:t>
             </a:r>
             <a:r>
               <a:rPr lang="en-US" altLang="zh-TW" dirty="0" smtClean="0"/>
               <a:t>[</a:t>
             </a:r>
             <a:r>
-              <a:rPr lang="zh-TW" altLang="en-US" dirty="0" smtClean="0"/>
+              <a:rPr lang="zh-TW" altLang="en-US" b="1" dirty="0" smtClean="0">
+                <a:solidFill>
+                  <a:srgbClr val="0070C0"/>
+                </a:solidFill>
+                <a:latin typeface="微軟正黑體" panose="020B0604030504040204" pitchFamily="34" charset="-120"/>
+                <a:ea typeface="微軟正黑體" panose="020B0604030504040204" pitchFamily="34" charset="-120"/>
+              </a:rPr>
+              <a:t>擲骰子</a:t>
+            </a:r>
+            <a:r>
+              <a:rPr lang="en-US" altLang="zh-TW" dirty="0" smtClean="0"/>
+              <a:t>]</a:t>
+            </a:r>
+            <a:r>
+              <a:rPr lang="zh-TW" altLang="en-US" dirty="0" smtClean="0"/>
+              <a:t>產生</a:t>
+            </a:r>
+            <a:r>
+              <a:rPr lang="en-US" altLang="zh-TW" dirty="0" smtClean="0"/>
+              <a:t>3</a:t>
+            </a:r>
+            <a:r>
+              <a:rPr lang="zh-TW" altLang="en-US" dirty="0" smtClean="0"/>
+              <a:t>顆骰子最終點數</a:t>
+            </a:r>
+            <a:endParaRPr lang="en-US" altLang="zh-TW" dirty="0" smtClean="0"/>
+          </a:p>
+          <a:p>
+            <a:pPr marL="914400" lvl="1" indent="-457200">
+              <a:buFont typeface="+mj-lt"/>
+              <a:buAutoNum type="arabicPeriod"/>
+            </a:pPr>
+            <a:r>
+              <a:rPr lang="zh-TW" altLang="en-US" dirty="0" smtClean="0"/>
+              <a:t>呼叫</a:t>
+            </a:r>
+            <a:r>
+              <a:rPr lang="en-US" altLang="zh-TW" dirty="0" smtClean="0"/>
+              <a:t>[</a:t>
+            </a:r>
+            <a:r>
+              <a:rPr lang="zh-TW" altLang="en-US" b="1" dirty="0" smtClean="0">
+                <a:solidFill>
+                  <a:srgbClr val="0070C0"/>
+                </a:solidFill>
+                <a:latin typeface="微軟正黑體" panose="020B0604030504040204" pitchFamily="34" charset="-120"/>
+                <a:ea typeface="微軟正黑體" panose="020B0604030504040204" pitchFamily="34" charset="-120"/>
+              </a:rPr>
+              <a:t>骰子聲撥放</a:t>
+            </a:r>
+            <a:r>
+              <a:rPr lang="en-US" altLang="zh-TW" dirty="0" smtClean="0"/>
+              <a:t>]</a:t>
+            </a:r>
+            <a:r>
+              <a:rPr lang="zh-TW" altLang="en-US" dirty="0" smtClean="0"/>
+              <a:t>發出聲音</a:t>
+            </a:r>
+            <a:endParaRPr lang="en-US" altLang="zh-TW" dirty="0" smtClean="0"/>
+          </a:p>
+          <a:p>
+            <a:pPr marL="914400" lvl="1" indent="-457200">
+              <a:buFont typeface="+mj-lt"/>
+              <a:buAutoNum type="arabicPeriod"/>
+            </a:pPr>
+            <a:r>
+              <a:rPr lang="zh-TW" altLang="en-US" dirty="0" smtClean="0"/>
+              <a:t>啟動</a:t>
+            </a:r>
+            <a:r>
+              <a:rPr lang="en-US" altLang="zh-TW" dirty="0" smtClean="0"/>
+              <a:t>[</a:t>
+            </a:r>
+            <a:r>
+              <a:rPr lang="zh-TW" altLang="en-US" b="1" dirty="0" smtClean="0">
+                <a:latin typeface="微軟正黑體" panose="020B0604030504040204" pitchFamily="34" charset="-120"/>
+                <a:ea typeface="微軟正黑體" panose="020B0604030504040204" pitchFamily="34" charset="-120"/>
+              </a:rPr>
+              <a:t>延遲計時</a:t>
+            </a:r>
+            <a:r>
+              <a:rPr lang="zh-TW" altLang="en-US" b="1" dirty="0" smtClean="0"/>
+              <a:t>器</a:t>
+            </a:r>
+            <a:r>
+              <a:rPr lang="en-US" altLang="zh-TW" dirty="0" smtClean="0"/>
+              <a:t>]</a:t>
+            </a:r>
+          </a:p>
+          <a:p>
+            <a:pPr marL="914400" lvl="1" indent="-457200">
+              <a:buFont typeface="+mj-lt"/>
+              <a:buAutoNum type="arabicPeriod"/>
+            </a:pPr>
+            <a:r>
+              <a:rPr lang="zh-TW" altLang="en-US" dirty="0"/>
+              <a:t>啟動</a:t>
+            </a:r>
+            <a:r>
+              <a:rPr lang="en-US" altLang="zh-TW" dirty="0"/>
+              <a:t>[</a:t>
+            </a:r>
+            <a:r>
+              <a:rPr lang="zh-TW" altLang="en-US" b="1" dirty="0">
+                <a:latin typeface="微軟正黑體" panose="020B0604030504040204" pitchFamily="34" charset="-120"/>
+                <a:ea typeface="微軟正黑體" panose="020B0604030504040204" pitchFamily="34" charset="-120"/>
+              </a:rPr>
               <a:t>滾動計時器</a:t>
             </a:r>
             <a:r>
-              <a:rPr lang="zh-TW" altLang="en-US" dirty="0"/>
-              <a:t>計時</a:t>
-            </a:r>
-            <a:r>
-              <a:rPr lang="en-US" altLang="zh-TW" dirty="0"/>
+              <a:rPr lang="en-US" altLang="zh-TW" dirty="0" smtClean="0"/>
+              <a:t>]</a:t>
+            </a:r>
+          </a:p>
+          <a:p>
+            <a:r>
+              <a:rPr lang="zh-TW" altLang="en-US" dirty="0" smtClean="0"/>
+              <a:t>當</a:t>
+            </a:r>
+            <a:r>
+              <a:rPr lang="en-US" altLang="zh-TW" dirty="0" smtClean="0"/>
+              <a:t>[</a:t>
+            </a:r>
+            <a:r>
+              <a:rPr lang="zh-TW" altLang="en-US" dirty="0" smtClean="0"/>
+              <a:t>延遲計時器計時</a:t>
+            </a:r>
+            <a:r>
+              <a:rPr lang="en-US" altLang="zh-TW" dirty="0" smtClean="0"/>
               <a:t>.</a:t>
             </a:r>
             <a:r>
-              <a:rPr lang="zh-TW" altLang="en-US" dirty="0"/>
+              <a:rPr lang="zh-TW" altLang="en-US" dirty="0" smtClean="0"/>
               <a:t>執行</a:t>
             </a:r>
             <a:r>
-              <a:rPr lang="en-US" altLang="zh-TW" dirty="0"/>
+              <a:rPr lang="en-US" altLang="zh-TW" dirty="0" smtClean="0"/>
               <a:t>]</a:t>
             </a:r>
             <a:r>
-              <a:rPr lang="zh-TW" altLang="en-US" dirty="0"/>
-              <a:t>要做的</a:t>
-            </a:r>
-            <a:r>
-              <a:rPr lang="zh-TW" altLang="en-US" dirty="0" smtClean="0"/>
-              <a:t>事</a:t>
+              <a:rPr lang="zh-TW" altLang="en-US" dirty="0" smtClean="0"/>
+              <a:t>要做的事</a:t>
+            </a:r>
+            <a:r>
+              <a:rPr lang="en-US" altLang="zh-TW" dirty="0" smtClean="0"/>
+              <a:t>(2</a:t>
+            </a:r>
+            <a:r>
+              <a:rPr lang="zh-TW" altLang="en-US" dirty="0" smtClean="0"/>
+              <a:t> </a:t>
+            </a:r>
+            <a:r>
+              <a:rPr lang="en-US" altLang="zh-TW" dirty="0" smtClean="0"/>
+              <a:t>sec</a:t>
+            </a:r>
+            <a:r>
+              <a:rPr lang="zh-TW" altLang="en-US" dirty="0" smtClean="0"/>
+              <a:t>後</a:t>
+            </a:r>
+            <a:r>
+              <a:rPr lang="en-US" altLang="zh-TW" dirty="0" smtClean="0"/>
+              <a:t>)</a:t>
+            </a:r>
+          </a:p>
+          <a:p>
+            <a:pPr lvl="1"/>
+            <a:r>
+              <a:rPr lang="zh-TW" altLang="en-US" dirty="0" smtClean="0"/>
+              <a:t>停止延遲計時器</a:t>
             </a:r>
             <a:r>
               <a:rPr lang="en-US" altLang="zh-TW" dirty="0" smtClean="0"/>
@@ -11509,15 +12834,48 @@
             </a:r>
             <a:r>
               <a:rPr lang="zh-TW" altLang="en-US" dirty="0" smtClean="0"/>
-              <a:t>每秒</a:t>
-            </a:r>
-            <a:r>
-              <a:rPr lang="en-US" altLang="zh-TW" dirty="0" smtClean="0"/>
-              <a:t>10</a:t>
-            </a:r>
-            <a:r>
-              <a:rPr lang="zh-TW" altLang="en-US" dirty="0" smtClean="0"/>
-              <a:t>次</a:t>
+              <a:t>設 </a:t>
+            </a:r>
+            <a:r>
+              <a:rPr lang="zh-TW" altLang="en-US" b="1" dirty="0" smtClean="0">
+                <a:solidFill>
+                  <a:srgbClr val="0070C0"/>
+                </a:solidFill>
+                <a:latin typeface="微軟正黑體" panose="020B0604030504040204" pitchFamily="34" charset="-120"/>
+                <a:ea typeface="微軟正黑體" panose="020B0604030504040204" pitchFamily="34" charset="-120"/>
+              </a:rPr>
+              <a:t>延遲計時器</a:t>
+            </a:r>
+            <a:r>
+              <a:rPr lang="en-US" altLang="zh-TW" b="1" dirty="0" smtClean="0">
+                <a:solidFill>
+                  <a:srgbClr val="0070C0"/>
+                </a:solidFill>
+                <a:latin typeface="微軟正黑體" panose="020B0604030504040204" pitchFamily="34" charset="-120"/>
+                <a:ea typeface="微軟正黑體" panose="020B0604030504040204" pitchFamily="34" charset="-120"/>
+              </a:rPr>
+              <a:t>.</a:t>
+            </a:r>
+            <a:r>
+              <a:rPr lang="zh-TW" altLang="en-US" b="1" dirty="0" smtClean="0">
+                <a:solidFill>
+                  <a:srgbClr val="0070C0"/>
+                </a:solidFill>
+                <a:latin typeface="微軟正黑體" panose="020B0604030504040204" pitchFamily="34" charset="-120"/>
+                <a:ea typeface="微軟正黑體" panose="020B0604030504040204" pitchFamily="34" charset="-120"/>
+              </a:rPr>
+              <a:t>啟用計時 </a:t>
+            </a:r>
+            <a:r>
+              <a:rPr lang="zh-TW" altLang="en-US" dirty="0" smtClean="0"/>
+              <a:t>為 </a:t>
+            </a:r>
+            <a:r>
+              <a:rPr lang="zh-TW" altLang="en-US" b="1" dirty="0" smtClean="0">
+                <a:latin typeface="微軟正黑體" panose="020B0604030504040204" pitchFamily="34" charset="-120"/>
+                <a:ea typeface="微軟正黑體" panose="020B0604030504040204" pitchFamily="34" charset="-120"/>
+              </a:rPr>
+              <a:t>假</a:t>
             </a:r>
             <a:r>
               <a:rPr lang="en-US" altLang="zh-TW" dirty="0" smtClean="0"/>
@@ -11528,66 +12886,102 @@
             <a:pPr lvl="1"/>
             <a:r>
               <a:rPr lang="zh-TW" altLang="en-US" dirty="0" smtClean="0"/>
-              <a:t>隨機產生</a:t>
-            </a:r>
+              <a:t>停止</a:t>
+            </a:r>
+            <a:r>
+              <a:rPr lang="zh-TW" altLang="en-US" dirty="0"/>
+              <a:t>滾動</a:t>
+            </a:r>
+            <a:r>
+              <a:rPr lang="zh-TW" altLang="en-US" dirty="0" smtClean="0"/>
+              <a:t>計時器</a:t>
+            </a:r>
+            <a:r>
+              <a:rPr lang="en-US" altLang="zh-TW" dirty="0"/>
+              <a:t>(</a:t>
+            </a:r>
+            <a:r>
+              <a:rPr lang="zh-TW" altLang="en-US" dirty="0" smtClean="0"/>
+              <a:t>設 </a:t>
+            </a:r>
+            <a:r>
+              <a:rPr lang="zh-TW" altLang="en-US" b="1" dirty="0" smtClean="0">
+                <a:solidFill>
+                  <a:srgbClr val="0070C0"/>
+                </a:solidFill>
+                <a:latin typeface="微軟正黑體" panose="020B0604030504040204" pitchFamily="34" charset="-120"/>
+                <a:ea typeface="微軟正黑體" panose="020B0604030504040204" pitchFamily="34" charset="-120"/>
+              </a:rPr>
+              <a:t>滾動計時器</a:t>
+            </a:r>
+            <a:r>
+              <a:rPr lang="en-US" altLang="zh-TW" b="1" dirty="0">
+                <a:solidFill>
+                  <a:srgbClr val="0070C0"/>
+                </a:solidFill>
+                <a:latin typeface="微軟正黑體" panose="020B0604030504040204" pitchFamily="34" charset="-120"/>
+                <a:ea typeface="微軟正黑體" panose="020B0604030504040204" pitchFamily="34" charset="-120"/>
+              </a:rPr>
+              <a:t>.</a:t>
+            </a:r>
+            <a:r>
+              <a:rPr lang="zh-TW" altLang="en-US" b="1" dirty="0">
+                <a:solidFill>
+                  <a:srgbClr val="0070C0"/>
+                </a:solidFill>
+                <a:latin typeface="微軟正黑體" panose="020B0604030504040204" pitchFamily="34" charset="-120"/>
+                <a:ea typeface="微軟正黑體" panose="020B0604030504040204" pitchFamily="34" charset="-120"/>
+              </a:rPr>
+              <a:t>啟用計時 </a:t>
+            </a:r>
+            <a:r>
+              <a:rPr lang="zh-TW" altLang="en-US" dirty="0"/>
+              <a:t>為 </a:t>
+            </a:r>
+            <a:r>
+              <a:rPr lang="zh-TW" altLang="en-US" b="1" dirty="0">
+                <a:solidFill>
+                  <a:srgbClr val="0070C0"/>
+                </a:solidFill>
+                <a:latin typeface="微軟正黑體" panose="020B0604030504040204" pitchFamily="34" charset="-120"/>
+                <a:ea typeface="微軟正黑體" panose="020B0604030504040204" pitchFamily="34" charset="-120"/>
+              </a:rPr>
+              <a:t>假</a:t>
+            </a:r>
+            <a:r>
+              <a:rPr lang="en-US" altLang="zh-TW" dirty="0"/>
+              <a:t>)</a:t>
+            </a:r>
+            <a:endParaRPr lang="zh-TW" altLang="en-US" dirty="0"/>
+          </a:p>
+          <a:p>
+            <a:pPr lvl="1"/>
             <a:r>
               <a:rPr lang="en-US" altLang="zh-TW" dirty="0" smtClean="0"/>
-              <a:t>3</a:t>
-            </a:r>
-            <a:r>
-              <a:rPr lang="zh-TW" altLang="en-US" dirty="0" smtClean="0"/>
-              <a:t>個點數</a:t>
+              <a:t>[</a:t>
+            </a:r>
+            <a:r>
+              <a:rPr lang="zh-TW" altLang="en-US" b="1" dirty="0" smtClean="0">
+                <a:solidFill>
+                  <a:srgbClr val="0070C0"/>
+                </a:solidFill>
+                <a:latin typeface="微軟正黑體" panose="020B0604030504040204" pitchFamily="34" charset="-120"/>
+                <a:ea typeface="微軟正黑體" panose="020B0604030504040204" pitchFamily="34" charset="-120"/>
+              </a:rPr>
+              <a:t>呼叫顯示結果</a:t>
             </a:r>
             <a:r>
               <a:rPr lang="en-US" altLang="zh-TW" dirty="0" smtClean="0"/>
-              <a:t>(1~6)</a:t>
-            </a:r>
-          </a:p>
-          <a:p>
-            <a:pPr lvl="1"/>
-            <a:r>
-              <a:rPr lang="zh-TW" altLang="en-US" dirty="0"/>
-              <a:t>顯示該點數</a:t>
-            </a:r>
-            <a:r>
-              <a:rPr lang="zh-TW" altLang="en-US" dirty="0" smtClean="0"/>
-              <a:t>的</a:t>
-            </a:r>
-            <a:r>
-              <a:rPr lang="en-US" altLang="zh-TW" dirty="0" smtClean="0"/>
-              <a:t>3</a:t>
-            </a:r>
-            <a:r>
-              <a:rPr lang="zh-TW" altLang="en-US" dirty="0" smtClean="0"/>
-              <a:t>個骰子</a:t>
+              <a:t>]</a:t>
             </a:r>
             <a:endParaRPr lang="zh-TW" altLang="en-US" dirty="0"/>
-          </a:p>
-          <a:p>
-            <a:pPr lvl="1"/>
-            <a:r>
-              <a:rPr lang="zh-TW" altLang="en-US" dirty="0" smtClean="0"/>
-              <a:t>隨機轉</a:t>
-            </a:r>
-            <a:r>
-              <a:rPr lang="en-US" altLang="zh-TW" dirty="0" smtClean="0"/>
-              <a:t>3</a:t>
-            </a:r>
-            <a:r>
-              <a:rPr lang="zh-TW" altLang="en-US" dirty="0" smtClean="0"/>
-              <a:t>個骰子一個角度</a:t>
-            </a:r>
-            <a:r>
-              <a:rPr lang="en-US" altLang="zh-TW" dirty="0" smtClean="0"/>
-              <a:t>(0~360)</a:t>
-            </a:r>
           </a:p>
         </p:txBody>
       </p:sp>
     </p:spTree>
     <p:extLst>
       <p:ext uri="{BB962C8B-B14F-4D97-AF65-F5344CB8AC3E}">
-        <p14:creationId xmlns:p14="http://schemas.microsoft.com/office/powerpoint/2010/main" val="1329572964"/>
+        <p14:creationId xmlns:p14="http://schemas.microsoft.com/office/powerpoint/2010/main" val="2328251169"/>
       </p:ext>
     </p:extLst>
   </p:cSld>
@@ -11642,15 +13036,11 @@
             </a:r>
             <a:r>
               <a:rPr lang="zh-TW" altLang="en-US" dirty="0" smtClean="0"/>
-              <a:t>版 </a:t>
-            </a:r>
-            <a:r>
-              <a:rPr lang="zh-TW" altLang="en-US" dirty="0"/>
-              <a:t>程式方塊 </a:t>
-            </a:r>
-            <a:r>
-              <a:rPr lang="en-US" altLang="zh-TW" dirty="0"/>
-              <a:t>1</a:t>
+              <a:t>版</a:t>
+            </a:r>
+            <a:r>
+              <a:rPr lang="en-US" altLang="zh-TW" dirty="0" smtClean="0"/>
+              <a:t>3</a:t>
             </a:r>
             <a:endParaRPr lang="zh-TW" altLang="en-US" dirty="0"/>
           </a:p>
@@ -11671,110 +13061,127 @@
           <a:bodyPr/>
           <a:lstStyle/>
           <a:p>
-            <a:endParaRPr lang="zh-TW" altLang="en-US"/>
-          </a:p>
-        </p:txBody>
-      </p:sp>
-      <p:pic>
-        <p:nvPicPr>
-          <p:cNvPr id="4" name="圖片 3"/>
-          <p:cNvPicPr>
-            <a:picLocks noChangeAspect="1"/>
-          </p:cNvPicPr>
-          <p:nvPr/>
-        </p:nvPicPr>
-        <p:blipFill>
-          <a:blip r:embed="rId2"/>
-          <a:stretch>
-            <a:fillRect/>
-          </a:stretch>
-        </p:blipFill>
-        <p:spPr>
-          <a:xfrm>
-            <a:off x="685801" y="4004311"/>
-            <a:ext cx="4089400" cy="1647712"/>
-          </a:xfrm>
-          <a:prstGeom prst="rect">
-            <a:avLst/>
-          </a:prstGeom>
-        </p:spPr>
-      </p:pic>
-      <p:pic>
-        <p:nvPicPr>
-          <p:cNvPr id="5" name="圖片 4"/>
-          <p:cNvPicPr>
-            <a:picLocks noChangeAspect="1"/>
-          </p:cNvPicPr>
-          <p:nvPr/>
-        </p:nvPicPr>
-        <p:blipFill>
-          <a:blip r:embed="rId3"/>
-          <a:stretch>
-            <a:fillRect/>
-          </a:stretch>
-        </p:blipFill>
-        <p:spPr>
-          <a:xfrm>
-            <a:off x="685801" y="1959927"/>
-            <a:ext cx="2514600" cy="1546194"/>
-          </a:xfrm>
-          <a:prstGeom prst="rect">
-            <a:avLst/>
-          </a:prstGeom>
-        </p:spPr>
-      </p:pic>
-      <p:pic>
-        <p:nvPicPr>
-          <p:cNvPr id="6" name="圖片 5"/>
-          <p:cNvPicPr>
-            <a:picLocks noChangeAspect="1"/>
-          </p:cNvPicPr>
-          <p:nvPr/>
-        </p:nvPicPr>
-        <p:blipFill>
-          <a:blip r:embed="rId4"/>
-          <a:stretch>
-            <a:fillRect/>
-          </a:stretch>
-        </p:blipFill>
-        <p:spPr>
-          <a:xfrm>
-            <a:off x="3486785" y="2117557"/>
-            <a:ext cx="8562975" cy="2121419"/>
-          </a:xfrm>
-          <a:prstGeom prst="rect">
-            <a:avLst/>
-          </a:prstGeom>
-        </p:spPr>
-      </p:pic>
-      <p:pic>
-        <p:nvPicPr>
-          <p:cNvPr id="7" name="圖片 6"/>
-          <p:cNvPicPr>
-            <a:picLocks noChangeAspect="1"/>
-          </p:cNvPicPr>
-          <p:nvPr/>
-        </p:nvPicPr>
-        <p:blipFill>
-          <a:blip r:embed="rId5"/>
-          <a:stretch>
-            <a:fillRect/>
-          </a:stretch>
-        </p:blipFill>
-        <p:spPr>
-          <a:xfrm>
-            <a:off x="5439093" y="4376135"/>
-            <a:ext cx="4225925" cy="1472937"/>
-          </a:xfrm>
-          <a:prstGeom prst="rect">
-            <a:avLst/>
-          </a:prstGeom>
-        </p:spPr>
-      </p:pic>
+            <a:r>
+              <a:rPr lang="zh-TW" altLang="en-US" dirty="0"/>
+              <a:t>當</a:t>
+            </a:r>
+            <a:r>
+              <a:rPr lang="en-US" altLang="zh-TW" dirty="0" smtClean="0"/>
+              <a:t>[</a:t>
+            </a:r>
+            <a:r>
+              <a:rPr lang="zh-TW" altLang="en-US" dirty="0" smtClean="0"/>
+              <a:t>滾動計時器</a:t>
+            </a:r>
+            <a:r>
+              <a:rPr lang="zh-TW" altLang="en-US" dirty="0"/>
+              <a:t>計時</a:t>
+            </a:r>
+            <a:r>
+              <a:rPr lang="en-US" altLang="zh-TW" dirty="0"/>
+              <a:t>.</a:t>
+            </a:r>
+            <a:r>
+              <a:rPr lang="zh-TW" altLang="en-US" dirty="0"/>
+              <a:t>執行</a:t>
+            </a:r>
+            <a:r>
+              <a:rPr lang="en-US" altLang="zh-TW" dirty="0"/>
+              <a:t>]</a:t>
+            </a:r>
+            <a:r>
+              <a:rPr lang="zh-TW" altLang="en-US" dirty="0"/>
+              <a:t>要做的</a:t>
+            </a:r>
+            <a:r>
+              <a:rPr lang="zh-TW" altLang="en-US" dirty="0" smtClean="0"/>
+              <a:t>事</a:t>
+            </a:r>
+            <a:r>
+              <a:rPr lang="en-US" altLang="zh-TW" dirty="0" smtClean="0"/>
+              <a:t>(</a:t>
+            </a:r>
+            <a:r>
+              <a:rPr lang="zh-TW" altLang="en-US" dirty="0" smtClean="0"/>
+              <a:t>每秒</a:t>
+            </a:r>
+            <a:r>
+              <a:rPr lang="en-US" altLang="zh-TW" dirty="0" smtClean="0"/>
+              <a:t>10</a:t>
+            </a:r>
+            <a:r>
+              <a:rPr lang="zh-TW" altLang="en-US" dirty="0" smtClean="0"/>
+              <a:t>次</a:t>
+            </a:r>
+            <a:r>
+              <a:rPr lang="en-US" altLang="zh-TW" dirty="0" smtClean="0"/>
+              <a:t>)</a:t>
+            </a:r>
+          </a:p>
+          <a:p>
+            <a:pPr lvl="1"/>
+            <a:r>
+              <a:rPr lang="zh-TW" altLang="en-US" dirty="0" smtClean="0"/>
+              <a:t>隨機產生</a:t>
+            </a:r>
+            <a:r>
+              <a:rPr lang="en-US" altLang="zh-TW" dirty="0" smtClean="0"/>
+              <a:t>3</a:t>
+            </a:r>
+            <a:r>
+              <a:rPr lang="zh-TW" altLang="en-US" dirty="0" smtClean="0"/>
+              <a:t>個點數</a:t>
+            </a:r>
+            <a:r>
+              <a:rPr lang="en-US" altLang="zh-TW" dirty="0" smtClean="0"/>
+              <a:t>(1~6)</a:t>
+            </a:r>
+          </a:p>
+          <a:p>
+            <a:pPr lvl="1"/>
+            <a:r>
+              <a:rPr lang="zh-TW" altLang="en-US" dirty="0"/>
+              <a:t>顯示該點數</a:t>
+            </a:r>
+            <a:r>
+              <a:rPr lang="zh-TW" altLang="en-US" dirty="0" smtClean="0"/>
+              <a:t>的</a:t>
+            </a:r>
+            <a:r>
+              <a:rPr lang="en-US" altLang="zh-TW" dirty="0" smtClean="0"/>
+              <a:t>3</a:t>
+            </a:r>
+            <a:r>
+              <a:rPr lang="zh-TW" altLang="en-US" dirty="0" smtClean="0"/>
+              <a:t>個骰子</a:t>
+            </a:r>
+            <a:endParaRPr lang="zh-TW" altLang="en-US" dirty="0"/>
+          </a:p>
+          <a:p>
+            <a:pPr lvl="1"/>
+            <a:r>
+              <a:rPr lang="zh-TW" altLang="en-US" dirty="0" smtClean="0"/>
+              <a:t>隨機轉</a:t>
+            </a:r>
+            <a:r>
+              <a:rPr lang="en-US" altLang="zh-TW" dirty="0" smtClean="0"/>
+              <a:t>3</a:t>
+            </a:r>
+            <a:r>
+              <a:rPr lang="zh-TW" altLang="en-US" dirty="0" smtClean="0"/>
+              <a:t>個骰子一個角度</a:t>
+            </a:r>
+            <a:r>
+              <a:rPr lang="en-US" altLang="zh-TW" dirty="0" smtClean="0"/>
+              <a:t>(0~360)</a:t>
+            </a:r>
+          </a:p>
+        </p:txBody>
+      </p:sp>
     </p:spTree>
     <p:extLst>
       <p:ext uri="{BB962C8B-B14F-4D97-AF65-F5344CB8AC3E}">
-        <p14:creationId xmlns:p14="http://schemas.microsoft.com/office/powerpoint/2010/main" val="1533997274"/>
+        <p14:creationId xmlns:p14="http://schemas.microsoft.com/office/powerpoint/2010/main" val="1329572964"/>
       </p:ext>
     </p:extLst>
   </p:cSld>
@@ -11825,6 +13232,193 @@
           <a:p>
             <a:r>
               <a:rPr lang="zh-TW" altLang="en-US" dirty="0"/>
+              <a:t>骰子滾動加強</a:t>
+            </a:r>
+            <a:r>
+              <a:rPr lang="zh-TW" altLang="en-US" dirty="0" smtClean="0"/>
+              <a:t>版 </a:t>
+            </a:r>
+            <a:r>
+              <a:rPr lang="zh-TW" altLang="en-US" dirty="0"/>
+              <a:t>程式方塊 </a:t>
+            </a:r>
+            <a:r>
+              <a:rPr lang="en-US" altLang="zh-TW" dirty="0"/>
+              <a:t>1</a:t>
+            </a:r>
+            <a:endParaRPr lang="zh-TW" altLang="en-US" dirty="0"/>
+          </a:p>
+        </p:txBody>
+      </p:sp>
+      <p:sp>
+        <p:nvSpPr>
+          <p:cNvPr id="3" name="內容版面配置區 2"/>
+          <p:cNvSpPr>
+            <a:spLocks noGrp="1"/>
+          </p:cNvSpPr>
+          <p:nvPr>
+            <p:ph idx="1"/>
+          </p:nvPr>
+        </p:nvSpPr>
+        <p:spPr/>
+        <p:txBody>
+          <a:bodyPr/>
+          <a:lstStyle/>
+          <a:p>
+            <a:endParaRPr lang="zh-TW" altLang="en-US"/>
+          </a:p>
+        </p:txBody>
+      </p:sp>
+      <p:pic>
+        <p:nvPicPr>
+          <p:cNvPr id="4" name="圖片 3"/>
+          <p:cNvPicPr>
+            <a:picLocks noChangeAspect="1"/>
+          </p:cNvPicPr>
+          <p:nvPr/>
+        </p:nvPicPr>
+        <p:blipFill>
+          <a:blip r:embed="rId2"/>
+          <a:stretch>
+            <a:fillRect/>
+          </a:stretch>
+        </p:blipFill>
+        <p:spPr>
+          <a:xfrm>
+            <a:off x="685801" y="4004311"/>
+            <a:ext cx="4089400" cy="1647712"/>
+          </a:xfrm>
+          <a:prstGeom prst="rect">
+            <a:avLst/>
+          </a:prstGeom>
+        </p:spPr>
+      </p:pic>
+      <p:pic>
+        <p:nvPicPr>
+          <p:cNvPr id="5" name="圖片 4"/>
+          <p:cNvPicPr>
+            <a:picLocks noChangeAspect="1"/>
+          </p:cNvPicPr>
+          <p:nvPr/>
+        </p:nvPicPr>
+        <p:blipFill>
+          <a:blip r:embed="rId3"/>
+          <a:stretch>
+            <a:fillRect/>
+          </a:stretch>
+        </p:blipFill>
+        <p:spPr>
+          <a:xfrm>
+            <a:off x="685801" y="1959927"/>
+            <a:ext cx="2514600" cy="1546194"/>
+          </a:xfrm>
+          <a:prstGeom prst="rect">
+            <a:avLst/>
+          </a:prstGeom>
+        </p:spPr>
+      </p:pic>
+      <p:pic>
+        <p:nvPicPr>
+          <p:cNvPr id="6" name="圖片 5"/>
+          <p:cNvPicPr>
+            <a:picLocks noChangeAspect="1"/>
+          </p:cNvPicPr>
+          <p:nvPr/>
+        </p:nvPicPr>
+        <p:blipFill>
+          <a:blip r:embed="rId4"/>
+          <a:stretch>
+            <a:fillRect/>
+          </a:stretch>
+        </p:blipFill>
+        <p:spPr>
+          <a:xfrm>
+            <a:off x="3486785" y="2117557"/>
+            <a:ext cx="8562975" cy="2121419"/>
+          </a:xfrm>
+          <a:prstGeom prst="rect">
+            <a:avLst/>
+          </a:prstGeom>
+        </p:spPr>
+      </p:pic>
+      <p:pic>
+        <p:nvPicPr>
+          <p:cNvPr id="7" name="圖片 6"/>
+          <p:cNvPicPr>
+            <a:picLocks noChangeAspect="1"/>
+          </p:cNvPicPr>
+          <p:nvPr/>
+        </p:nvPicPr>
+        <p:blipFill>
+          <a:blip r:embed="rId5"/>
+          <a:stretch>
+            <a:fillRect/>
+          </a:stretch>
+        </p:blipFill>
+        <p:spPr>
+          <a:xfrm>
+            <a:off x="5439093" y="4376135"/>
+            <a:ext cx="4225925" cy="1472937"/>
+          </a:xfrm>
+          <a:prstGeom prst="rect">
+            <a:avLst/>
+          </a:prstGeom>
+        </p:spPr>
+      </p:pic>
+    </p:spTree>
+    <p:extLst>
+      <p:ext uri="{BB962C8B-B14F-4D97-AF65-F5344CB8AC3E}">
+        <p14:creationId xmlns:p14="http://schemas.microsoft.com/office/powerpoint/2010/main" val="1533997274"/>
+      </p:ext>
+    </p:extLst>
+  </p:cSld>
+  <p:clrMapOvr>
+    <a:masterClrMapping/>
+  </p:clrMapOvr>
+  <p:timing>
+    <p:tnLst>
+      <p:par>
+        <p:cTn id="1" dur="indefinite" restart="never" nodeType="tmRoot"/>
+      </p:par>
+    </p:tnLst>
+  </p:timing>
+</p:sld>
+</file>
+
+<file path=ppt/slides/slide24.xml><?xml version="1.0" encoding="utf-8"?>
+<p:sld xmlns:a="http://schemas.openxmlformats.org/drawingml/2006/main" xmlns:r="http://schemas.openxmlformats.org/officeDocument/2006/relationships" xmlns:p="http://schemas.openxmlformats.org/presentationml/2006/main">
+  <p:cSld>
+    <p:spTree>
+      <p:nvGrpSpPr>
+        <p:cNvPr id="1" name=""/>
+        <p:cNvGrpSpPr/>
+        <p:nvPr/>
+      </p:nvGrpSpPr>
+      <p:grpSpPr>
+        <a:xfrm>
+          <a:off x="0" y="0"/>
+          <a:ext cx="0" cy="0"/>
+          <a:chOff x="0" y="0"/>
+          <a:chExt cx="0" cy="0"/>
+        </a:xfrm>
+      </p:grpSpPr>
+      <p:sp>
+        <p:nvSpPr>
+          <p:cNvPr id="2" name="標題 1"/>
+          <p:cNvSpPr>
+            <a:spLocks noGrp="1"/>
+          </p:cNvSpPr>
+          <p:nvPr>
+            <p:ph type="title"/>
+          </p:nvPr>
+        </p:nvSpPr>
+        <p:spPr/>
+        <p:txBody>
+          <a:bodyPr/>
+          <a:lstStyle/>
+          <a:p>
+            <a:r>
+              <a:rPr lang="zh-TW" altLang="en-US" dirty="0"/>
               <a:t>骰子滾動加強版 程式方塊 </a:t>
             </a:r>
             <a:r>
@@ -11922,7 +13516,218 @@
 </p:sld>
 </file>
 
-<file path=ppt/slides/slide24.xml><?xml version="1.0" encoding="utf-8"?>
+<file path=ppt/slides/slide25.xml><?xml version="1.0" encoding="utf-8"?>
+<p:sld xmlns:a="http://schemas.openxmlformats.org/drawingml/2006/main" xmlns:r="http://schemas.openxmlformats.org/officeDocument/2006/relationships" xmlns:p="http://schemas.openxmlformats.org/presentationml/2006/main">
+  <p:cSld>
+    <p:spTree>
+      <p:nvGrpSpPr>
+        <p:cNvPr id="1" name=""/>
+        <p:cNvGrpSpPr/>
+        <p:nvPr/>
+      </p:nvGrpSpPr>
+      <p:grpSpPr>
+        <a:xfrm>
+          <a:off x="0" y="0"/>
+          <a:ext cx="0" cy="0"/>
+          <a:chOff x="0" y="0"/>
+          <a:chExt cx="0" cy="0"/>
+        </a:xfrm>
+      </p:grpSpPr>
+      <p:sp>
+        <p:nvSpPr>
+          <p:cNvPr id="2" name="標題 1"/>
+          <p:cNvSpPr>
+            <a:spLocks noGrp="1"/>
+          </p:cNvSpPr>
+          <p:nvPr>
+            <p:ph type="title"/>
+          </p:nvPr>
+        </p:nvSpPr>
+        <p:spPr/>
+        <p:txBody>
+          <a:bodyPr/>
+          <a:lstStyle/>
+          <a:p>
+            <a:r>
+              <a:rPr lang="zh-TW" altLang="en-US" dirty="0" smtClean="0"/>
+              <a:t>再加一點功能！</a:t>
+            </a:r>
+            <a:endParaRPr lang="zh-TW" altLang="en-US" dirty="0"/>
+          </a:p>
+        </p:txBody>
+      </p:sp>
+      <p:sp>
+        <p:nvSpPr>
+          <p:cNvPr id="3" name="內容版面配置區 2"/>
+          <p:cNvSpPr>
+            <a:spLocks noGrp="1"/>
+          </p:cNvSpPr>
+          <p:nvPr>
+            <p:ph idx="1"/>
+          </p:nvPr>
+        </p:nvSpPr>
+        <p:spPr/>
+        <p:txBody>
+          <a:bodyPr/>
+          <a:lstStyle/>
+          <a:p>
+            <a:r>
+              <a:rPr lang="zh-TW" altLang="en-US" dirty="0" smtClean="0"/>
+              <a:t>讓它語音報點數吧！這應該</a:t>
+            </a:r>
+            <a:r>
+              <a:rPr lang="zh-TW" altLang="en-US" dirty="0"/>
+              <a:t>不用詳細說明了吧</a:t>
+            </a:r>
+            <a:r>
+              <a:rPr lang="zh-TW" altLang="en-US" dirty="0" smtClean="0"/>
+              <a:t>！</a:t>
+            </a:r>
+            <a:endParaRPr lang="en-US" altLang="zh-TW" dirty="0" smtClean="0"/>
+          </a:p>
+          <a:p>
+            <a:pPr lvl="1"/>
+            <a:r>
+              <a:rPr lang="zh-TW" altLang="en-US" dirty="0" smtClean="0"/>
+              <a:t>就是</a:t>
+            </a:r>
+            <a:r>
+              <a:rPr lang="en-US" altLang="zh-TW" dirty="0" smtClean="0"/>
+              <a:t>[</a:t>
+            </a:r>
+            <a:r>
+              <a:rPr lang="zh-TW" altLang="en-US" b="1" dirty="0" smtClean="0">
+                <a:solidFill>
+                  <a:srgbClr val="0070C0"/>
+                </a:solidFill>
+                <a:latin typeface="微軟正黑體" panose="020B0604030504040204" pitchFamily="34" charset="-120"/>
+                <a:ea typeface="微軟正黑體" panose="020B0604030504040204" pitchFamily="34" charset="-120"/>
+              </a:rPr>
+              <a:t>文字語音轉換器</a:t>
+            </a:r>
+            <a:r>
+              <a:rPr lang="en-US" altLang="zh-TW" dirty="0" smtClean="0"/>
+              <a:t>]</a:t>
+            </a:r>
+            <a:r>
+              <a:rPr lang="zh-TW" altLang="en-US" dirty="0" smtClean="0"/>
+              <a:t>給他上場！</a:t>
+            </a:r>
+            <a:endParaRPr lang="en-US" altLang="zh-TW" dirty="0" smtClean="0"/>
+          </a:p>
+          <a:p>
+            <a:r>
+              <a:rPr lang="zh-TW" altLang="en-US" dirty="0"/>
+              <a:t>給一點</a:t>
+            </a:r>
+            <a:r>
+              <a:rPr lang="zh-TW" altLang="en-US" dirty="0" smtClean="0"/>
+              <a:t>挑戰，細分一下：</a:t>
+            </a:r>
+            <a:endParaRPr lang="en-US" altLang="zh-TW" dirty="0" smtClean="0"/>
+          </a:p>
+          <a:p>
+            <a:pPr lvl="1"/>
+            <a:r>
+              <a:rPr lang="zh-TW" altLang="en-US" dirty="0"/>
+              <a:t>三顆一樣是豹子</a:t>
+            </a:r>
+            <a:r>
+              <a:rPr lang="zh-TW" altLang="en-US" dirty="0" smtClean="0"/>
+              <a:t>！</a:t>
+            </a:r>
+            <a:endParaRPr lang="en-US" altLang="zh-TW" dirty="0" smtClean="0"/>
+          </a:p>
+          <a:p>
+            <a:pPr lvl="1"/>
+            <a:r>
+              <a:rPr lang="en-US" altLang="zh-TW" dirty="0" smtClean="0"/>
+              <a:t>3~10</a:t>
+            </a:r>
+            <a:r>
+              <a:rPr lang="zh-TW" altLang="en-US" dirty="0" smtClean="0"/>
+              <a:t>點是小，</a:t>
+            </a:r>
+            <a:r>
+              <a:rPr lang="en-US" altLang="zh-TW" dirty="0" smtClean="0"/>
+              <a:t>11~18</a:t>
+            </a:r>
+            <a:r>
+              <a:rPr lang="zh-TW" altLang="en-US" dirty="0" smtClean="0"/>
+              <a:t>點是大</a:t>
+            </a:r>
+            <a:endParaRPr lang="en-US" altLang="zh-TW" dirty="0" smtClean="0"/>
+          </a:p>
+          <a:p>
+            <a:r>
+              <a:rPr lang="zh-TW" altLang="en-US" dirty="0"/>
+              <a:t>再挑戰一點沒教</a:t>
+            </a:r>
+            <a:r>
+              <a:rPr lang="zh-TW" altLang="en-US" dirty="0" smtClean="0"/>
+              <a:t>的</a:t>
+            </a:r>
+            <a:endParaRPr lang="en-US" altLang="zh-TW" dirty="0" smtClean="0"/>
+          </a:p>
+          <a:p>
+            <a:pPr lvl="1"/>
+            <a:r>
+              <a:rPr lang="zh-TW" altLang="en-US" dirty="0"/>
+              <a:t>顯示最近</a:t>
+            </a:r>
+            <a:r>
+              <a:rPr lang="zh-TW" altLang="en-US" dirty="0" smtClean="0"/>
+              <a:t>前</a:t>
+            </a:r>
+            <a:r>
+              <a:rPr lang="en-US" altLang="zh-TW" dirty="0" smtClean="0"/>
+              <a:t>N</a:t>
+            </a:r>
+            <a:r>
+              <a:rPr lang="zh-TW" altLang="en-US" dirty="0" smtClean="0"/>
+              <a:t>次</a:t>
+            </a:r>
+            <a:r>
+              <a:rPr lang="zh-TW" altLang="en-US" dirty="0"/>
+              <a:t>的大小？</a:t>
+            </a:r>
+            <a:r>
+              <a:rPr lang="zh-TW" altLang="en-US" dirty="0" smtClean="0"/>
+              <a:t>！</a:t>
+            </a:r>
+            <a:endParaRPr lang="en-US" altLang="zh-TW" dirty="0" smtClean="0"/>
+          </a:p>
+          <a:p>
+            <a:pPr lvl="1"/>
+            <a:r>
+              <a:rPr lang="zh-TW" altLang="en-US" dirty="0" smtClean="0"/>
+              <a:t>有難度的喔。</a:t>
+            </a:r>
+            <a:endParaRPr lang="en-US" altLang="zh-TW" dirty="0" smtClean="0"/>
+          </a:p>
+          <a:p>
+            <a:pPr lvl="1"/>
+            <a:r>
+              <a:rPr lang="zh-TW" altLang="en-US" dirty="0"/>
+              <a:t>需要用到清單。</a:t>
+            </a:r>
+          </a:p>
+        </p:txBody>
+      </p:sp>
+    </p:spTree>
+    <p:extLst>
+      <p:ext uri="{BB962C8B-B14F-4D97-AF65-F5344CB8AC3E}">
+        <p14:creationId xmlns:p14="http://schemas.microsoft.com/office/powerpoint/2010/main" val="814328334"/>
+      </p:ext>
+    </p:extLst>
+  </p:cSld>
+  <p:clrMapOvr>
+    <a:masterClrMapping/>
+  </p:clrMapOvr>
+</p:sld>
+</file>
+
+<file path=ppt/slides/slide26.xml><?xml version="1.0" encoding="utf-8"?>
 <p:sld xmlns:a="http://schemas.openxmlformats.org/drawingml/2006/main" xmlns:r="http://schemas.openxmlformats.org/officeDocument/2006/relationships" xmlns:p="http://schemas.openxmlformats.org/presentationml/2006/main">
   <p:cSld>
     <p:spTree>
@@ -12120,11 +13925,7 @@
           <a:p>
             <a:r>
               <a:rPr lang="zh-TW" altLang="en-US" dirty="0" smtClean="0"/>
-              <a:t>上課素材</a:t>
-            </a:r>
-            <a:r>
-              <a:rPr lang="zh-TW" altLang="en-US" dirty="0" smtClean="0"/>
-              <a:t>檔</a:t>
+              <a:t>上課素材檔</a:t>
             </a:r>
             <a:r>
               <a:rPr lang="en-US" altLang="zh-TW" b="1" dirty="0">
@@ -12144,11 +13945,7 @@
             </a:r>
             <a:r>
               <a:rPr lang="zh-TW" altLang="en-US" dirty="0" smtClean="0"/>
-              <a:t>下載</a:t>
-            </a:r>
-            <a:r>
-              <a:rPr lang="zh-TW" altLang="en-US" dirty="0" smtClean="0"/>
-              <a:t>網址，下載</a:t>
+              <a:t>下載網址，下載</a:t>
             </a:r>
             <a:r>
               <a:rPr lang="zh-TW" altLang="en-US" dirty="0"/>
@@ -12269,15 +14066,7 @@
           <a:p>
             <a:r>
               <a:rPr lang="zh-TW" altLang="en-US" dirty="0" smtClean="0"/>
-              <a:t>要</a:t>
-            </a:r>
-            <a:r>
-              <a:rPr lang="zh-TW" altLang="en-US" dirty="0" smtClean="0"/>
-              <a:t>想看看你想怎麼操作</a:t>
-            </a:r>
-            <a:r>
-              <a:rPr lang="zh-TW" altLang="en-US" dirty="0" smtClean="0"/>
-              <a:t>？</a:t>
+              <a:t>要想看看你想怎麼操作？</a:t>
             </a:r>
             <a:endParaRPr lang="en-US" altLang="zh-TW" dirty="0" smtClean="0"/>
           </a:p>
@@ -12292,11 +14081,7 @@
           <a:p>
             <a:r>
               <a:rPr lang="zh-TW" altLang="en-US" dirty="0" smtClean="0"/>
-              <a:t>我規劃的大致上畫面如右圖</a:t>
-            </a:r>
-            <a:r>
-              <a:rPr lang="zh-TW" altLang="en-US" dirty="0" smtClean="0"/>
-              <a:t>：</a:t>
+              <a:t>我規劃的大致上畫面如右圖：</a:t>
             </a:r>
             <a:endParaRPr lang="en-US" altLang="zh-TW" dirty="0" smtClean="0"/>
           </a:p>

--- a/CHING JIAN/AppInventor/04_擲骰子聖手.pptx
+++ b/CHING JIAN/AppInventor/04_擲骰子聖手.pptx
@@ -318,7 +318,7 @@
           <a:p>
             <a:fld id="{48A87A34-81AB-432B-8DAE-1953F412C126}" type="datetimeFigureOut">
               <a:rPr lang="en-US" dirty="0"/>
-              <a:t>12/22/2020</a:t>
+              <a:t>12/23/2020</a:t>
             </a:fld>
             <a:endParaRPr lang="en-US" dirty="0"/>
           </a:p>
@@ -580,7 +580,7 @@
           <a:p>
             <a:fld id="{48A87A34-81AB-432B-8DAE-1953F412C126}" type="datetimeFigureOut">
               <a:rPr lang="en-US" dirty="0"/>
-              <a:t>12/22/2020</a:t>
+              <a:t>12/23/2020</a:t>
             </a:fld>
             <a:endParaRPr lang="en-US" dirty="0"/>
           </a:p>
@@ -807,7 +807,7 @@
             <a:fld id="{48A87A34-81AB-432B-8DAE-1953F412C126}" type="datetimeFigureOut">
               <a:rPr lang="en-US" dirty="0"/>
               <a:pPr/>
-              <a:t>12/22/2020</a:t>
+              <a:t>12/23/2020</a:t>
             </a:fld>
             <a:endParaRPr lang="en-US" dirty="0"/>
           </a:p>
@@ -1113,7 +1113,7 @@
             <a:fld id="{48A87A34-81AB-432B-8DAE-1953F412C126}" type="datetimeFigureOut">
               <a:rPr lang="en-US" dirty="0"/>
               <a:pPr/>
-              <a:t>12/22/2020</a:t>
+              <a:t>12/23/2020</a:t>
             </a:fld>
             <a:endParaRPr lang="en-US" dirty="0"/>
           </a:p>
@@ -1582,7 +1582,7 @@
             <a:fld id="{48A87A34-81AB-432B-8DAE-1953F412C126}" type="datetimeFigureOut">
               <a:rPr lang="en-US" dirty="0"/>
               <a:pPr/>
-              <a:t>12/22/2020</a:t>
+              <a:t>12/23/2020</a:t>
             </a:fld>
             <a:endParaRPr lang="en-US" dirty="0"/>
           </a:p>
@@ -2124,7 +2124,7 @@
           <a:p>
             <a:fld id="{48A87A34-81AB-432B-8DAE-1953F412C126}" type="datetimeFigureOut">
               <a:rPr lang="en-US" dirty="0"/>
-              <a:t>12/22/2020</a:t>
+              <a:t>12/23/2020</a:t>
             </a:fld>
             <a:endParaRPr lang="en-US" dirty="0"/>
           </a:p>
@@ -2893,7 +2893,7 @@
           <a:p>
             <a:fld id="{48A87A34-81AB-432B-8DAE-1953F412C126}" type="datetimeFigureOut">
               <a:rPr lang="en-US" dirty="0"/>
-              <a:t>12/22/2020</a:t>
+              <a:t>12/23/2020</a:t>
             </a:fld>
             <a:endParaRPr lang="en-US" dirty="0"/>
           </a:p>
@@ -3063,7 +3063,7 @@
           <a:p>
             <a:fld id="{48A87A34-81AB-432B-8DAE-1953F412C126}" type="datetimeFigureOut">
               <a:rPr lang="en-US" dirty="0"/>
-              <a:t>12/22/2020</a:t>
+              <a:t>12/23/2020</a:t>
             </a:fld>
             <a:endParaRPr lang="en-US" dirty="0"/>
           </a:p>
@@ -3282,7 +3282,7 @@
             <a:fld id="{48A87A34-81AB-432B-8DAE-1953F412C126}" type="datetimeFigureOut">
               <a:rPr lang="en-US" dirty="0"/>
               <a:pPr/>
-              <a:t>12/22/2020</a:t>
+              <a:t>12/23/2020</a:t>
             </a:fld>
             <a:endParaRPr lang="en-US" dirty="0"/>
           </a:p>
@@ -3457,7 +3457,7 @@
           <a:p>
             <a:fld id="{48A87A34-81AB-432B-8DAE-1953F412C126}" type="datetimeFigureOut">
               <a:rPr lang="en-US" dirty="0"/>
-              <a:t>12/22/2020</a:t>
+              <a:t>12/23/2020</a:t>
             </a:fld>
             <a:endParaRPr lang="en-US" dirty="0"/>
           </a:p>
@@ -3742,7 +3742,7 @@
             <a:fld id="{48A87A34-81AB-432B-8DAE-1953F412C126}" type="datetimeFigureOut">
               <a:rPr lang="en-US" dirty="0"/>
               <a:pPr/>
-              <a:t>12/22/2020</a:t>
+              <a:t>12/23/2020</a:t>
             </a:fld>
             <a:endParaRPr lang="en-US" dirty="0"/>
           </a:p>
@@ -3979,7 +3979,7 @@
           <a:p>
             <a:fld id="{48A87A34-81AB-432B-8DAE-1953F412C126}" type="datetimeFigureOut">
               <a:rPr lang="en-US" dirty="0"/>
-              <a:t>12/22/2020</a:t>
+              <a:t>12/23/2020</a:t>
             </a:fld>
             <a:endParaRPr lang="en-US" dirty="0"/>
           </a:p>
@@ -4353,7 +4353,7 @@
           <a:p>
             <a:fld id="{48A87A34-81AB-432B-8DAE-1953F412C126}" type="datetimeFigureOut">
               <a:rPr lang="en-US" dirty="0"/>
-              <a:t>12/22/2020</a:t>
+              <a:t>12/23/2020</a:t>
             </a:fld>
             <a:endParaRPr lang="en-US" dirty="0"/>
           </a:p>
@@ -4466,7 +4466,7 @@
           <a:p>
             <a:fld id="{48A87A34-81AB-432B-8DAE-1953F412C126}" type="datetimeFigureOut">
               <a:rPr lang="en-US" dirty="0"/>
-              <a:t>12/22/2020</a:t>
+              <a:t>12/23/2020</a:t>
             </a:fld>
             <a:endParaRPr lang="en-US" dirty="0"/>
           </a:p>
@@ -4556,7 +4556,7 @@
           <a:p>
             <a:fld id="{48A87A34-81AB-432B-8DAE-1953F412C126}" type="datetimeFigureOut">
               <a:rPr lang="en-US" dirty="0"/>
-              <a:t>12/22/2020</a:t>
+              <a:t>12/23/2020</a:t>
             </a:fld>
             <a:endParaRPr lang="en-US" dirty="0"/>
           </a:p>
@@ -4800,7 +4800,7 @@
           <a:p>
             <a:fld id="{48A87A34-81AB-432B-8DAE-1953F412C126}" type="datetimeFigureOut">
               <a:rPr lang="en-US" dirty="0"/>
-              <a:t>12/22/2020</a:t>
+              <a:t>12/23/2020</a:t>
             </a:fld>
             <a:endParaRPr lang="en-US" dirty="0"/>
           </a:p>
@@ -5052,7 +5052,7 @@
           <a:p>
             <a:fld id="{48A87A34-81AB-432B-8DAE-1953F412C126}" type="datetimeFigureOut">
               <a:rPr lang="en-US" dirty="0"/>
-              <a:t>12/22/2020</a:t>
+              <a:t>12/23/2020</a:t>
             </a:fld>
             <a:endParaRPr lang="en-US" dirty="0"/>
           </a:p>
@@ -5291,7 +5291,7 @@
             <a:fld id="{48A87A34-81AB-432B-8DAE-1953F412C126}" type="datetimeFigureOut">
               <a:rPr lang="en-US" dirty="0"/>
               <a:pPr/>
-              <a:t>12/22/2020</a:t>
+              <a:t>12/23/2020</a:t>
             </a:fld>
             <a:endParaRPr lang="en-US" dirty="0"/>
           </a:p>
@@ -5739,7 +5739,7 @@
             </a:pPr>
             <a:fld id="{4844D8D4-723F-40A6-B98F-A2C2312E33A8}" type="datetime5">
               <a:rPr lang="zh-TW" altLang="en-US" smtClean="0"/>
-              <a:t>2020年12月22日星期二</a:t>
+              <a:t>2020年12月23日星期三</a:t>
             </a:fld>
             <a:endParaRPr lang="zh-TW" altLang="en-US" dirty="0"/>
           </a:p>
@@ -6168,7 +6168,7 @@
             <a:fld id="{4805910D-2C61-424F-80CE-807290CF0E1E}" type="datetime4">
               <a:rPr lang="zh-TW" altLang="zh-TW"/>
               <a:pPr/>
-              <a:t>109年12月22日星期二</a:t>
+              <a:t>109年12月23日星期三</a:t>
             </a:fld>
             <a:endParaRPr lang="zh-TW" altLang="en-US" dirty="0"/>
           </a:p>

--- a/CHING JIAN/AppInventor/04_擲骰子聖手.pptx
+++ b/CHING JIAN/AppInventor/04_擲骰子聖手.pptx
@@ -318,7 +318,7 @@
           <a:p>
             <a:fld id="{48A87A34-81AB-432B-8DAE-1953F412C126}" type="datetimeFigureOut">
               <a:rPr lang="en-US" dirty="0"/>
-              <a:t>12/23/2020</a:t>
+              <a:t>9/26/2022</a:t>
             </a:fld>
             <a:endParaRPr lang="en-US" dirty="0"/>
           </a:p>
@@ -580,7 +580,7 @@
           <a:p>
             <a:fld id="{48A87A34-81AB-432B-8DAE-1953F412C126}" type="datetimeFigureOut">
               <a:rPr lang="en-US" dirty="0"/>
-              <a:t>12/23/2020</a:t>
+              <a:t>9/26/2022</a:t>
             </a:fld>
             <a:endParaRPr lang="en-US" dirty="0"/>
           </a:p>
@@ -807,7 +807,7 @@
             <a:fld id="{48A87A34-81AB-432B-8DAE-1953F412C126}" type="datetimeFigureOut">
               <a:rPr lang="en-US" dirty="0"/>
               <a:pPr/>
-              <a:t>12/23/2020</a:t>
+              <a:t>9/26/2022</a:t>
             </a:fld>
             <a:endParaRPr lang="en-US" dirty="0"/>
           </a:p>
@@ -1113,7 +1113,7 @@
             <a:fld id="{48A87A34-81AB-432B-8DAE-1953F412C126}" type="datetimeFigureOut">
               <a:rPr lang="en-US" dirty="0"/>
               <a:pPr/>
-              <a:t>12/23/2020</a:t>
+              <a:t>9/26/2022</a:t>
             </a:fld>
             <a:endParaRPr lang="en-US" dirty="0"/>
           </a:p>
@@ -1582,7 +1582,7 @@
             <a:fld id="{48A87A34-81AB-432B-8DAE-1953F412C126}" type="datetimeFigureOut">
               <a:rPr lang="en-US" dirty="0"/>
               <a:pPr/>
-              <a:t>12/23/2020</a:t>
+              <a:t>9/26/2022</a:t>
             </a:fld>
             <a:endParaRPr lang="en-US" dirty="0"/>
           </a:p>
@@ -2124,7 +2124,7 @@
           <a:p>
             <a:fld id="{48A87A34-81AB-432B-8DAE-1953F412C126}" type="datetimeFigureOut">
               <a:rPr lang="en-US" dirty="0"/>
-              <a:t>12/23/2020</a:t>
+              <a:t>9/26/2022</a:t>
             </a:fld>
             <a:endParaRPr lang="en-US" dirty="0"/>
           </a:p>
@@ -2893,7 +2893,7 @@
           <a:p>
             <a:fld id="{48A87A34-81AB-432B-8DAE-1953F412C126}" type="datetimeFigureOut">
               <a:rPr lang="en-US" dirty="0"/>
-              <a:t>12/23/2020</a:t>
+              <a:t>9/26/2022</a:t>
             </a:fld>
             <a:endParaRPr lang="en-US" dirty="0"/>
           </a:p>
@@ -3063,7 +3063,7 @@
           <a:p>
             <a:fld id="{48A87A34-81AB-432B-8DAE-1953F412C126}" type="datetimeFigureOut">
               <a:rPr lang="en-US" dirty="0"/>
-              <a:t>12/23/2020</a:t>
+              <a:t>9/26/2022</a:t>
             </a:fld>
             <a:endParaRPr lang="en-US" dirty="0"/>
           </a:p>
@@ -3282,7 +3282,7 @@
             <a:fld id="{48A87A34-81AB-432B-8DAE-1953F412C126}" type="datetimeFigureOut">
               <a:rPr lang="en-US" dirty="0"/>
               <a:pPr/>
-              <a:t>12/23/2020</a:t>
+              <a:t>9/26/2022</a:t>
             </a:fld>
             <a:endParaRPr lang="en-US" dirty="0"/>
           </a:p>
@@ -3457,7 +3457,7 @@
           <a:p>
             <a:fld id="{48A87A34-81AB-432B-8DAE-1953F412C126}" type="datetimeFigureOut">
               <a:rPr lang="en-US" dirty="0"/>
-              <a:t>12/23/2020</a:t>
+              <a:t>9/26/2022</a:t>
             </a:fld>
             <a:endParaRPr lang="en-US" dirty="0"/>
           </a:p>
@@ -3742,7 +3742,7 @@
             <a:fld id="{48A87A34-81AB-432B-8DAE-1953F412C126}" type="datetimeFigureOut">
               <a:rPr lang="en-US" dirty="0"/>
               <a:pPr/>
-              <a:t>12/23/2020</a:t>
+              <a:t>9/26/2022</a:t>
             </a:fld>
             <a:endParaRPr lang="en-US" dirty="0"/>
           </a:p>
@@ -3979,7 +3979,7 @@
           <a:p>
             <a:fld id="{48A87A34-81AB-432B-8DAE-1953F412C126}" type="datetimeFigureOut">
               <a:rPr lang="en-US" dirty="0"/>
-              <a:t>12/23/2020</a:t>
+              <a:t>9/26/2022</a:t>
             </a:fld>
             <a:endParaRPr lang="en-US" dirty="0"/>
           </a:p>
@@ -4353,7 +4353,7 @@
           <a:p>
             <a:fld id="{48A87A34-81AB-432B-8DAE-1953F412C126}" type="datetimeFigureOut">
               <a:rPr lang="en-US" dirty="0"/>
-              <a:t>12/23/2020</a:t>
+              <a:t>9/26/2022</a:t>
             </a:fld>
             <a:endParaRPr lang="en-US" dirty="0"/>
           </a:p>
@@ -4466,7 +4466,7 @@
           <a:p>
             <a:fld id="{48A87A34-81AB-432B-8DAE-1953F412C126}" type="datetimeFigureOut">
               <a:rPr lang="en-US" dirty="0"/>
-              <a:t>12/23/2020</a:t>
+              <a:t>9/26/2022</a:t>
             </a:fld>
             <a:endParaRPr lang="en-US" dirty="0"/>
           </a:p>
@@ -4556,7 +4556,7 @@
           <a:p>
             <a:fld id="{48A87A34-81AB-432B-8DAE-1953F412C126}" type="datetimeFigureOut">
               <a:rPr lang="en-US" dirty="0"/>
-              <a:t>12/23/2020</a:t>
+              <a:t>9/26/2022</a:t>
             </a:fld>
             <a:endParaRPr lang="en-US" dirty="0"/>
           </a:p>
@@ -4800,7 +4800,7 @@
           <a:p>
             <a:fld id="{48A87A34-81AB-432B-8DAE-1953F412C126}" type="datetimeFigureOut">
               <a:rPr lang="en-US" dirty="0"/>
-              <a:t>12/23/2020</a:t>
+              <a:t>9/26/2022</a:t>
             </a:fld>
             <a:endParaRPr lang="en-US" dirty="0"/>
           </a:p>
@@ -5052,7 +5052,7 @@
           <a:p>
             <a:fld id="{48A87A34-81AB-432B-8DAE-1953F412C126}" type="datetimeFigureOut">
               <a:rPr lang="en-US" dirty="0"/>
-              <a:t>12/23/2020</a:t>
+              <a:t>9/26/2022</a:t>
             </a:fld>
             <a:endParaRPr lang="en-US" dirty="0"/>
           </a:p>
@@ -5291,7 +5291,7 @@
             <a:fld id="{48A87A34-81AB-432B-8DAE-1953F412C126}" type="datetimeFigureOut">
               <a:rPr lang="en-US" dirty="0"/>
               <a:pPr/>
-              <a:t>12/23/2020</a:t>
+              <a:t>9/26/2022</a:t>
             </a:fld>
             <a:endParaRPr lang="en-US" dirty="0"/>
           </a:p>
@@ -5739,7 +5739,7 @@
             </a:pPr>
             <a:fld id="{4844D8D4-723F-40A6-B98F-A2C2312E33A8}" type="datetime5">
               <a:rPr lang="zh-TW" altLang="en-US" smtClean="0"/>
-              <a:t>2020年12月23日星期三</a:t>
+              <a:t>2022年9月26日星期一</a:t>
             </a:fld>
             <a:endParaRPr lang="zh-TW" altLang="en-US" dirty="0"/>
           </a:p>
@@ -5767,6 +5767,59 @@
               <a:t>擲骰子聖手</a:t>
             </a:r>
             <a:endParaRPr lang="zh-TW" altLang="en-US" sz="5400" dirty="0" smtClean="0"/>
+          </a:p>
+        </p:txBody>
+      </p:sp>
+      <p:pic>
+        <p:nvPicPr>
+          <p:cNvPr id="4" name="圖片 3"/>
+          <p:cNvPicPr>
+            <a:picLocks noChangeAspect="1"/>
+          </p:cNvPicPr>
+          <p:nvPr/>
+        </p:nvPicPr>
+        <p:blipFill>
+          <a:blip r:embed="rId2"/>
+          <a:stretch>
+            <a:fillRect/>
+          </a:stretch>
+        </p:blipFill>
+        <p:spPr>
+          <a:xfrm>
+            <a:off x="8683219" y="685702"/>
+            <a:ext cx="2041670" cy="2041670"/>
+          </a:xfrm>
+          <a:prstGeom prst="rect">
+            <a:avLst/>
+          </a:prstGeom>
+        </p:spPr>
+      </p:pic>
+      <p:sp>
+        <p:nvSpPr>
+          <p:cNvPr id="5" name="矩形 4"/>
+          <p:cNvSpPr/>
+          <p:nvPr/>
+        </p:nvSpPr>
+        <p:spPr>
+          <a:xfrm>
+            <a:off x="8342944" y="439973"/>
+            <a:ext cx="2722220" cy="400110"/>
+          </a:xfrm>
+          <a:prstGeom prst="rect">
+            <a:avLst/>
+          </a:prstGeom>
+        </p:spPr>
+        <p:txBody>
+          <a:bodyPr wrap="none">
+            <a:spAutoFit/>
+          </a:bodyPr>
+          <a:lstStyle/>
+          <a:p>
+            <a:r>
+              <a:rPr lang="en-US" altLang="zh-TW" sz="2000" dirty="0"/>
+              <a:t>http://gg.gg/TM_AI2</a:t>
+            </a:r>
+            <a:endParaRPr lang="zh-TW" altLang="en-US" sz="2000" dirty="0"/>
           </a:p>
         </p:txBody>
       </p:sp>
@@ -6168,7 +6221,7 @@
             <a:fld id="{4805910D-2C61-424F-80CE-807290CF0E1E}" type="datetime4">
               <a:rPr lang="zh-TW" altLang="zh-TW"/>
               <a:pPr/>
-              <a:t>109年12月23日星期三</a:t>
+              <a:t>111年9月26日星期一</a:t>
             </a:fld>
             <a:endParaRPr lang="zh-TW" altLang="en-US" dirty="0"/>
           </a:p>
